--- a/11_ProjectPresentation/MyWebPresentation.pptx
+++ b/11_ProjectPresentation/MyWebPresentation.pptx
@@ -220,7 +220,7 @@
           <a:p>
             <a:fld id="{286EF878-B4B9-4796-AB2C-08E8B209A621}" type="datetimeFigureOut">
               <a:rPr lang="en-US" smtClean="0"/>
-              <a:t>23-Nov-20</a:t>
+              <a:t>26-Nov-20</a:t>
             </a:fld>
             <a:endParaRPr lang="en-US"/>
           </a:p>
@@ -3852,6 +3852,414 @@
 </p:notes>
 </file>
 
+<file path=ppt/notesSlides/notesSlide12.xml><?xml version="1.0" encoding="utf-8"?>
+<p:notes xmlns:a="http://schemas.openxmlformats.org/drawingml/2006/main" xmlns:r="http://schemas.openxmlformats.org/officeDocument/2006/relationships" xmlns:p="http://schemas.openxmlformats.org/presentationml/2006/main">
+  <p:cSld>
+    <p:spTree>
+      <p:nvGrpSpPr>
+        <p:cNvPr id="1" name=""/>
+        <p:cNvGrpSpPr/>
+        <p:nvPr/>
+      </p:nvGrpSpPr>
+      <p:grpSpPr>
+        <a:xfrm>
+          <a:off x="0" y="0"/>
+          <a:ext cx="0" cy="0"/>
+          <a:chOff x="0" y="0"/>
+          <a:chExt cx="0" cy="0"/>
+        </a:xfrm>
+      </p:grpSpPr>
+      <p:sp>
+        <p:nvSpPr>
+          <p:cNvPr id="2" name="Slide Image Placeholder 1"/>
+          <p:cNvSpPr>
+            <a:spLocks noGrp="1" noRot="1" noChangeAspect="1"/>
+          </p:cNvSpPr>
+          <p:nvPr>
+            <p:ph type="sldImg"/>
+          </p:nvPr>
+        </p:nvSpPr>
+        <p:spPr/>
+      </p:sp>
+      <p:sp>
+        <p:nvSpPr>
+          <p:cNvPr id="3" name="Notes Placeholder 2"/>
+          <p:cNvSpPr>
+            <a:spLocks noGrp="1"/>
+          </p:cNvSpPr>
+          <p:nvPr>
+            <p:ph type="body" idx="1"/>
+          </p:nvPr>
+        </p:nvSpPr>
+        <p:spPr/>
+        <p:txBody>
+          <a:bodyPr/>
+          <a:lstStyle/>
+          <a:p>
+            <a:r>
+              <a:rPr lang="en-US" dirty="0"/>
+              <a:t>BUGS</a:t>
+            </a:r>
+          </a:p>
+          <a:p>
+            <a:r>
+              <a:rPr lang="en-US" dirty="0"/>
+              <a:t>-la o </a:t>
+            </a:r>
+            <a:r>
+              <a:rPr lang="en-US" dirty="0" err="1"/>
+              <a:t>comanda</a:t>
+            </a:r>
+            <a:r>
+              <a:rPr lang="en-US" dirty="0"/>
+              <a:t> </a:t>
+            </a:r>
+            <a:r>
+              <a:rPr lang="en-US" dirty="0" err="1"/>
+              <a:t>trimisa</a:t>
+            </a:r>
+            <a:r>
+              <a:rPr lang="en-US" dirty="0"/>
+              <a:t>, nu se </a:t>
+            </a:r>
+            <a:r>
+              <a:rPr lang="en-US" dirty="0" err="1"/>
+              <a:t>updateaza</a:t>
+            </a:r>
+            <a:r>
+              <a:rPr lang="en-US" dirty="0"/>
+              <a:t> STOCUL</a:t>
+            </a:r>
+          </a:p>
+          <a:p>
+            <a:r>
+              <a:rPr lang="en-US" dirty="0"/>
+              <a:t>-pe la LOADER </a:t>
+            </a:r>
+            <a:r>
+              <a:rPr lang="en-US" dirty="0" err="1"/>
+              <a:t>sa</a:t>
+            </a:r>
+            <a:r>
+              <a:rPr lang="en-US" dirty="0"/>
+              <a:t> ma </a:t>
+            </a:r>
+            <a:r>
+              <a:rPr lang="en-US" dirty="0" err="1"/>
+              <a:t>mai</a:t>
+            </a:r>
+            <a:r>
+              <a:rPr lang="en-US" dirty="0"/>
+              <a:t> </a:t>
+            </a:r>
+            <a:r>
+              <a:rPr lang="en-US" dirty="0" err="1"/>
+              <a:t>uit</a:t>
+            </a:r>
+            <a:endParaRPr lang="en-US" dirty="0"/>
+          </a:p>
+          <a:p>
+            <a:r>
+              <a:rPr lang="en-US" dirty="0"/>
+              <a:t>-la local storage nu </a:t>
+            </a:r>
+            <a:r>
+              <a:rPr lang="en-US" dirty="0" err="1"/>
+              <a:t>imi</a:t>
+            </a:r>
+            <a:r>
+              <a:rPr lang="en-US" dirty="0"/>
+              <a:t> place cum am </a:t>
+            </a:r>
+            <a:r>
+              <a:rPr lang="en-US" dirty="0" err="1"/>
+              <a:t>facut</a:t>
+            </a:r>
+            <a:endParaRPr lang="en-US" dirty="0"/>
+          </a:p>
+          <a:p>
+            <a:r>
+              <a:rPr lang="en-US" dirty="0"/>
+              <a:t>(se </a:t>
+            </a:r>
+            <a:r>
+              <a:rPr lang="en-US" dirty="0" err="1"/>
+              <a:t>salveaza</a:t>
+            </a:r>
+            <a:r>
+              <a:rPr lang="en-US" dirty="0"/>
+              <a:t> in LS </a:t>
+            </a:r>
+            <a:r>
+              <a:rPr lang="en-US" dirty="0" err="1"/>
+              <a:t>cartul</a:t>
+            </a:r>
+            <a:r>
+              <a:rPr lang="en-US" dirty="0"/>
+              <a:t>, Nr de </a:t>
+            </a:r>
+            <a:r>
+              <a:rPr lang="en-US" dirty="0" err="1"/>
+              <a:t>iteme</a:t>
+            </a:r>
+            <a:r>
+              <a:rPr lang="en-US" dirty="0"/>
+              <a:t>, </a:t>
+            </a:r>
+            <a:r>
+              <a:rPr lang="en-US" dirty="0" err="1"/>
+              <a:t>Totalul</a:t>
+            </a:r>
+            <a:r>
+              <a:rPr lang="en-US" dirty="0"/>
+              <a:t> </a:t>
+            </a:r>
+            <a:r>
+              <a:rPr lang="en-US" dirty="0" err="1"/>
+              <a:t>si</a:t>
+            </a:r>
+            <a:r>
+              <a:rPr lang="en-US" dirty="0"/>
+              <a:t> </a:t>
+            </a:r>
+            <a:r>
+              <a:rPr lang="en-US" dirty="0" err="1"/>
+              <a:t>cantitatea</a:t>
+            </a:r>
+            <a:r>
+              <a:rPr lang="en-US" dirty="0"/>
+              <a:t> </a:t>
+            </a:r>
+            <a:r>
+              <a:rPr lang="en-US" dirty="0" err="1"/>
+              <a:t>fiecare</a:t>
+            </a:r>
+            <a:r>
+              <a:rPr lang="en-US" dirty="0"/>
+              <a:t> </a:t>
+            </a:r>
+            <a:r>
+              <a:rPr lang="en-US" dirty="0" err="1"/>
+              <a:t>separat</a:t>
+            </a:r>
+            <a:r>
+              <a:rPr lang="en-US" dirty="0"/>
+              <a:t>)</a:t>
+            </a:r>
+          </a:p>
+          <a:p>
+            <a:r>
+              <a:rPr lang="en-US" dirty="0"/>
+              <a:t>(</a:t>
+            </a:r>
+            <a:r>
+              <a:rPr lang="en-US" dirty="0" err="1"/>
+              <a:t>exista</a:t>
+            </a:r>
+            <a:r>
+              <a:rPr lang="en-US" dirty="0"/>
+              <a:t> un bag la </a:t>
+            </a:r>
+            <a:r>
+              <a:rPr lang="en-US" dirty="0" err="1"/>
+              <a:t>cantitate</a:t>
+            </a:r>
+            <a:r>
+              <a:rPr lang="en-US" dirty="0"/>
+              <a:t>)</a:t>
+            </a:r>
+          </a:p>
+          <a:p>
+            <a:r>
+              <a:rPr lang="en-US" dirty="0"/>
+              <a:t>(o </a:t>
+            </a:r>
+            <a:r>
+              <a:rPr lang="en-US" dirty="0" err="1"/>
+              <a:t>sa</a:t>
+            </a:r>
+            <a:r>
+              <a:rPr lang="en-US" dirty="0"/>
+              <a:t> </a:t>
+            </a:r>
+            <a:r>
+              <a:rPr lang="en-US" dirty="0" err="1"/>
+              <a:t>incerc</a:t>
+            </a:r>
+            <a:r>
+              <a:rPr lang="en-US" dirty="0"/>
+              <a:t> </a:t>
+            </a:r>
+            <a:r>
+              <a:rPr lang="en-US" dirty="0" err="1"/>
+              <a:t>sa</a:t>
+            </a:r>
+            <a:r>
+              <a:rPr lang="en-US" dirty="0"/>
+              <a:t> </a:t>
+            </a:r>
+            <a:r>
+              <a:rPr lang="en-US" dirty="0" err="1"/>
+              <a:t>salvez</a:t>
+            </a:r>
+            <a:r>
+              <a:rPr lang="en-US" dirty="0"/>
+              <a:t> in LS </a:t>
+            </a:r>
+            <a:r>
+              <a:rPr lang="en-US" dirty="0" err="1"/>
+              <a:t>toate</a:t>
+            </a:r>
+            <a:r>
+              <a:rPr lang="en-US" dirty="0"/>
+              <a:t> </a:t>
+            </a:r>
+            <a:r>
+              <a:rPr lang="en-US" dirty="0" err="1"/>
+              <a:t>informatiile</a:t>
+            </a:r>
+            <a:r>
+              <a:rPr lang="en-US" dirty="0"/>
+              <a:t> la un loc in CART)</a:t>
+            </a:r>
+          </a:p>
+          <a:p>
+            <a:r>
+              <a:rPr lang="en-US" dirty="0"/>
+              <a:t>-pe </a:t>
+            </a:r>
+            <a:r>
+              <a:rPr lang="en-US" dirty="0" err="1"/>
+              <a:t>viitor</a:t>
+            </a:r>
+            <a:r>
+              <a:rPr lang="en-US" dirty="0"/>
+              <a:t> </a:t>
+            </a:r>
+            <a:r>
+              <a:rPr lang="en-US" dirty="0" err="1"/>
+              <a:t>sa</a:t>
+            </a:r>
+            <a:r>
+              <a:rPr lang="en-US" dirty="0"/>
+              <a:t> fac </a:t>
+            </a:r>
+            <a:r>
+              <a:rPr lang="en-US" dirty="0" err="1"/>
+              <a:t>baza</a:t>
+            </a:r>
+            <a:r>
+              <a:rPr lang="en-US" dirty="0"/>
+              <a:t> de date </a:t>
+            </a:r>
+            <a:r>
+              <a:rPr lang="en-US" dirty="0" err="1"/>
+              <a:t>simpla</a:t>
+            </a:r>
+            <a:r>
+              <a:rPr lang="en-US" dirty="0"/>
+              <a:t>, </a:t>
+            </a:r>
+            <a:r>
+              <a:rPr lang="en-US" dirty="0" err="1"/>
+              <a:t>fara</a:t>
+            </a:r>
+            <a:r>
+              <a:rPr lang="en-US" dirty="0"/>
+              <a:t> </a:t>
+            </a:r>
+            <a:r>
+              <a:rPr lang="en-US" dirty="0" err="1"/>
+              <a:t>categorii</a:t>
+            </a:r>
+            <a:r>
+              <a:rPr lang="en-US" dirty="0"/>
+              <a:t>, ca </a:t>
+            </a:r>
+            <a:r>
+              <a:rPr lang="en-US" dirty="0" err="1"/>
+              <a:t>sa</a:t>
+            </a:r>
+            <a:r>
+              <a:rPr lang="en-US" dirty="0"/>
+              <a:t> fie </a:t>
+            </a:r>
+            <a:r>
+              <a:rPr lang="en-US" dirty="0" err="1"/>
+              <a:t>mai</a:t>
+            </a:r>
+            <a:r>
+              <a:rPr lang="en-US" dirty="0"/>
+              <a:t> </a:t>
+            </a:r>
+            <a:r>
+              <a:rPr lang="en-US" dirty="0" err="1"/>
+              <a:t>usor</a:t>
+            </a:r>
+            <a:r>
+              <a:rPr lang="en-US" dirty="0"/>
+              <a:t> la fetch </a:t>
+            </a:r>
+            <a:r>
+              <a:rPr lang="en-US" dirty="0" err="1"/>
+              <a:t>si</a:t>
+            </a:r>
+            <a:r>
+              <a:rPr lang="en-US" dirty="0"/>
+              <a:t> cod </a:t>
+            </a:r>
+            <a:r>
+              <a:rPr lang="en-US" dirty="0" err="1"/>
+              <a:t>mai</a:t>
+            </a:r>
+            <a:r>
+              <a:rPr lang="en-US" dirty="0"/>
+              <a:t> </a:t>
+            </a:r>
+            <a:r>
+              <a:rPr lang="en-US" dirty="0" err="1"/>
+              <a:t>putin</a:t>
+            </a:r>
+            <a:endParaRPr lang="en-US" dirty="0"/>
+          </a:p>
+        </p:txBody>
+      </p:sp>
+      <p:sp>
+        <p:nvSpPr>
+          <p:cNvPr id="4" name="Slide Number Placeholder 3"/>
+          <p:cNvSpPr>
+            <a:spLocks noGrp="1"/>
+          </p:cNvSpPr>
+          <p:nvPr>
+            <p:ph type="sldNum" sz="quarter" idx="5"/>
+          </p:nvPr>
+        </p:nvSpPr>
+        <p:spPr/>
+        <p:txBody>
+          <a:bodyPr/>
+          <a:lstStyle/>
+          <a:p>
+            <a:fld id="{090CD15C-7338-406F-8AE1-1311B618C99F}" type="slidenum">
+              <a:rPr lang="en-US" smtClean="0"/>
+              <a:t>12</a:t>
+            </a:fld>
+            <a:endParaRPr lang="en-US"/>
+          </a:p>
+        </p:txBody>
+      </p:sp>
+    </p:spTree>
+    <p:extLst>
+      <p:ext uri="{BB962C8B-B14F-4D97-AF65-F5344CB8AC3E}">
+        <p14:creationId xmlns:p14="http://schemas.microsoft.com/office/powerpoint/2010/main" val="145540331"/>
+      </p:ext>
+    </p:extLst>
+  </p:cSld>
+  <p:clrMapOvr>
+    <a:masterClrMapping/>
+  </p:clrMapOvr>
+</p:notes>
+</file>
+
 <file path=ppt/notesSlides/notesSlide2.xml><?xml version="1.0" encoding="utf-8"?>
 <p:notes xmlns:a="http://schemas.openxmlformats.org/drawingml/2006/main" xmlns:r="http://schemas.openxmlformats.org/officeDocument/2006/relationships" xmlns:p="http://schemas.openxmlformats.org/presentationml/2006/main">
   <p:cSld>
@@ -12661,7 +13069,7 @@
           <a:noFill/>
           <a:extLst>
             <a:ext uri="{909E8E84-426E-40dd-AFC4-6F175D3DCCD1}">
-              <a14:hiddenFill xmlns:a14="http://schemas.microsoft.com/office/drawing/2010/main" xmlns="">
+              <a14:hiddenFill xmlns="" xmlns:a14="http://schemas.microsoft.com/office/drawing/2010/main">
                 <a:solidFill>
                   <a:srgbClr val="FFFFFF"/>
                 </a:solidFill>
@@ -12721,7 +13129,7 @@
             </a:ln>
             <a:extLst>
               <a:ext uri="{91240B29-F687-4f45-9708-019B960494DF}">
-                <a14:hiddenLine xmlns:a14="http://schemas.microsoft.com/office/drawing/2010/main" xmlns="" w="9525">
+                <a14:hiddenLine xmlns="" xmlns:a14="http://schemas.microsoft.com/office/drawing/2010/main" w="9525">
                   <a:solidFill>
                     <a:srgbClr val="000000"/>
                   </a:solidFill>
@@ -12811,7 +13219,7 @@
             </a:ln>
             <a:extLst>
               <a:ext uri="{91240B29-F687-4f45-9708-019B960494DF}">
-                <a14:hiddenLine xmlns:a14="http://schemas.microsoft.com/office/drawing/2010/main" xmlns="" w="9525">
+                <a14:hiddenLine xmlns="" xmlns:a14="http://schemas.microsoft.com/office/drawing/2010/main" w="9525">
                   <a:solidFill>
                     <a:srgbClr val="000000"/>
                   </a:solidFill>
@@ -12901,7 +13309,7 @@
             </a:ln>
             <a:extLst>
               <a:ext uri="{91240B29-F687-4f45-9708-019B960494DF}">
-                <a14:hiddenLine xmlns:a14="http://schemas.microsoft.com/office/drawing/2010/main" xmlns="" w="9525">
+                <a14:hiddenLine xmlns="" xmlns:a14="http://schemas.microsoft.com/office/drawing/2010/main" w="9525">
                   <a:solidFill>
                     <a:srgbClr val="000000"/>
                   </a:solidFill>
@@ -12935,7 +13343,7 @@
             </a:ln>
             <a:extLst>
               <a:ext uri="{91240B29-F687-4f45-9708-019B960494DF}">
-                <a14:hiddenLine xmlns:a14="http://schemas.microsoft.com/office/drawing/2010/main" xmlns="" w="9525">
+                <a14:hiddenLine xmlns="" xmlns:a14="http://schemas.microsoft.com/office/drawing/2010/main" w="9525">
                   <a:solidFill>
                     <a:srgbClr val="000000"/>
                   </a:solidFill>
@@ -13025,7 +13433,7 @@
             </a:ln>
             <a:extLst>
               <a:ext uri="{91240B29-F687-4f45-9708-019B960494DF}">
-                <a14:hiddenLine xmlns:a14="http://schemas.microsoft.com/office/drawing/2010/main" xmlns="" w="9525">
+                <a14:hiddenLine xmlns="" xmlns:a14="http://schemas.microsoft.com/office/drawing/2010/main" w="9525">
                   <a:solidFill>
                     <a:srgbClr val="000000"/>
                   </a:solidFill>
@@ -13087,7 +13495,7 @@
             </a:ln>
             <a:extLst>
               <a:ext uri="{91240B29-F687-4f45-9708-019B960494DF}">
-                <a14:hiddenLine xmlns:a14="http://schemas.microsoft.com/office/drawing/2010/main" xmlns="" w="9525">
+                <a14:hiddenLine xmlns="" xmlns:a14="http://schemas.microsoft.com/office/drawing/2010/main" w="9525">
                   <a:solidFill>
                     <a:srgbClr val="000000"/>
                   </a:solidFill>
@@ -13149,7 +13557,7 @@
             </a:ln>
             <a:extLst>
               <a:ext uri="{91240B29-F687-4f45-9708-019B960494DF}">
-                <a14:hiddenLine xmlns:a14="http://schemas.microsoft.com/office/drawing/2010/main" xmlns="" w="9525">
+                <a14:hiddenLine xmlns="" xmlns:a14="http://schemas.microsoft.com/office/drawing/2010/main" w="9525">
                   <a:solidFill>
                     <a:srgbClr val="000000"/>
                   </a:solidFill>
@@ -13239,7 +13647,7 @@
             </a:ln>
             <a:extLst>
               <a:ext uri="{91240B29-F687-4f45-9708-019B960494DF}">
-                <a14:hiddenLine xmlns:a14="http://schemas.microsoft.com/office/drawing/2010/main" xmlns="" w="9525">
+                <a14:hiddenLine xmlns="" xmlns:a14="http://schemas.microsoft.com/office/drawing/2010/main" w="9525">
                   <a:solidFill>
                     <a:srgbClr val="000000"/>
                   </a:solidFill>
@@ -13301,7 +13709,7 @@
             </a:ln>
             <a:extLst>
               <a:ext uri="{91240B29-F687-4f45-9708-019B960494DF}">
-                <a14:hiddenLine xmlns:a14="http://schemas.microsoft.com/office/drawing/2010/main" xmlns="" w="9525">
+                <a14:hiddenLine xmlns="" xmlns:a14="http://schemas.microsoft.com/office/drawing/2010/main" w="9525">
                   <a:solidFill>
                     <a:srgbClr val="000000"/>
                   </a:solidFill>
@@ -13363,7 +13771,7 @@
             </a:ln>
             <a:extLst>
               <a:ext uri="{91240B29-F687-4f45-9708-019B960494DF}">
-                <a14:hiddenLine xmlns:a14="http://schemas.microsoft.com/office/drawing/2010/main" xmlns="" w="9525">
+                <a14:hiddenLine xmlns="" xmlns:a14="http://schemas.microsoft.com/office/drawing/2010/main" w="9525">
                   <a:solidFill>
                     <a:srgbClr val="000000"/>
                   </a:solidFill>
@@ -13453,7 +13861,7 @@
             </a:ln>
             <a:extLst>
               <a:ext uri="{91240B29-F687-4f45-9708-019B960494DF}">
-                <a14:hiddenLine xmlns:a14="http://schemas.microsoft.com/office/drawing/2010/main" xmlns="" w="9525">
+                <a14:hiddenLine xmlns="" xmlns:a14="http://schemas.microsoft.com/office/drawing/2010/main" w="9525">
                   <a:solidFill>
                     <a:srgbClr val="000000"/>
                   </a:solidFill>
@@ -13543,7 +13951,7 @@
             </a:ln>
             <a:extLst>
               <a:ext uri="{91240B29-F687-4f45-9708-019B960494DF}">
-                <a14:hiddenLine xmlns:a14="http://schemas.microsoft.com/office/drawing/2010/main" xmlns="" w="9525">
+                <a14:hiddenLine xmlns="" xmlns:a14="http://schemas.microsoft.com/office/drawing/2010/main" w="9525">
                   <a:solidFill>
                     <a:srgbClr val="000000"/>
                   </a:solidFill>
@@ -13605,7 +14013,7 @@
             </a:ln>
             <a:extLst>
               <a:ext uri="{91240B29-F687-4f45-9708-019B960494DF}">
-                <a14:hiddenLine xmlns:a14="http://schemas.microsoft.com/office/drawing/2010/main" xmlns="" w="9525">
+                <a14:hiddenLine xmlns="" xmlns:a14="http://schemas.microsoft.com/office/drawing/2010/main" w="9525">
                   <a:solidFill>
                     <a:srgbClr val="000000"/>
                   </a:solidFill>
@@ -13715,7 +14123,7 @@
             </a:ln>
             <a:extLst>
               <a:ext uri="{91240B29-F687-4f45-9708-019B960494DF}">
-                <a14:hiddenLine xmlns:a14="http://schemas.microsoft.com/office/drawing/2010/main" xmlns="" w="9525">
+                <a14:hiddenLine xmlns="" xmlns:a14="http://schemas.microsoft.com/office/drawing/2010/main" w="9525">
                   <a:solidFill>
                     <a:srgbClr val="000000"/>
                   </a:solidFill>
@@ -13777,7 +14185,7 @@
             </a:ln>
             <a:extLst>
               <a:ext uri="{91240B29-F687-4f45-9708-019B960494DF}">
-                <a14:hiddenLine xmlns:a14="http://schemas.microsoft.com/office/drawing/2010/main" xmlns="" w="9525">
+                <a14:hiddenLine xmlns="" xmlns:a14="http://schemas.microsoft.com/office/drawing/2010/main" w="9525">
                   <a:solidFill>
                     <a:srgbClr val="000000"/>
                   </a:solidFill>
@@ -13867,7 +14275,7 @@
             </a:ln>
             <a:extLst>
               <a:ext uri="{91240B29-F687-4f45-9708-019B960494DF}">
-                <a14:hiddenLine xmlns:a14="http://schemas.microsoft.com/office/drawing/2010/main" xmlns="" w="9525">
+                <a14:hiddenLine xmlns="" xmlns:a14="http://schemas.microsoft.com/office/drawing/2010/main" w="9525">
                   <a:solidFill>
                     <a:srgbClr val="000000"/>
                   </a:solidFill>
@@ -13957,7 +14365,7 @@
             </a:ln>
             <a:extLst>
               <a:ext uri="{91240B29-F687-4f45-9708-019B960494DF}">
-                <a14:hiddenLine xmlns:a14="http://schemas.microsoft.com/office/drawing/2010/main" xmlns="" w="9525">
+                <a14:hiddenLine xmlns="" xmlns:a14="http://schemas.microsoft.com/office/drawing/2010/main" w="9525">
                   <a:solidFill>
                     <a:srgbClr val="000000"/>
                   </a:solidFill>
@@ -14019,7 +14427,7 @@
             </a:ln>
             <a:extLst>
               <a:ext uri="{91240B29-F687-4f45-9708-019B960494DF}">
-                <a14:hiddenLine xmlns:a14="http://schemas.microsoft.com/office/drawing/2010/main" xmlns="" w="9525">
+                <a14:hiddenLine xmlns="" xmlns:a14="http://schemas.microsoft.com/office/drawing/2010/main" w="9525">
                   <a:solidFill>
                     <a:srgbClr val="000000"/>
                   </a:solidFill>
@@ -14109,7 +14517,7 @@
             </a:ln>
             <a:extLst>
               <a:ext uri="{91240B29-F687-4f45-9708-019B960494DF}">
-                <a14:hiddenLine xmlns:a14="http://schemas.microsoft.com/office/drawing/2010/main" xmlns="" w="9525">
+                <a14:hiddenLine xmlns="" xmlns:a14="http://schemas.microsoft.com/office/drawing/2010/main" w="9525">
                   <a:solidFill>
                     <a:srgbClr val="000000"/>
                   </a:solidFill>
@@ -14199,7 +14607,7 @@
             </a:ln>
             <a:extLst>
               <a:ext uri="{91240B29-F687-4f45-9708-019B960494DF}">
-                <a14:hiddenLine xmlns:a14="http://schemas.microsoft.com/office/drawing/2010/main" xmlns="" w="9525">
+                <a14:hiddenLine xmlns="" xmlns:a14="http://schemas.microsoft.com/office/drawing/2010/main" w="9525">
                   <a:solidFill>
                     <a:srgbClr val="000000"/>
                   </a:solidFill>
@@ -14255,7 +14663,7 @@
             </a:ln>
             <a:extLst>
               <a:ext uri="{91240B29-F687-4f45-9708-019B960494DF}">
-                <a14:hiddenLine xmlns:a14="http://schemas.microsoft.com/office/drawing/2010/main" xmlns="" w="9525">
+                <a14:hiddenLine xmlns="" xmlns:a14="http://schemas.microsoft.com/office/drawing/2010/main" w="9525">
                   <a:solidFill>
                     <a:srgbClr val="000000"/>
                   </a:solidFill>
@@ -14345,7 +14753,7 @@
             </a:ln>
             <a:extLst>
               <a:ext uri="{91240B29-F687-4f45-9708-019B960494DF}">
-                <a14:hiddenLine xmlns:a14="http://schemas.microsoft.com/office/drawing/2010/main" xmlns="" w="9525">
+                <a14:hiddenLine xmlns="" xmlns:a14="http://schemas.microsoft.com/office/drawing/2010/main" w="9525">
                   <a:solidFill>
                     <a:srgbClr val="000000"/>
                   </a:solidFill>
@@ -14401,7 +14809,7 @@
             </a:ln>
             <a:extLst>
               <a:ext uri="{91240B29-F687-4f45-9708-019B960494DF}">
-                <a14:hiddenLine xmlns:a14="http://schemas.microsoft.com/office/drawing/2010/main" xmlns="" w="9525">
+                <a14:hiddenLine xmlns="" xmlns:a14="http://schemas.microsoft.com/office/drawing/2010/main" w="9525">
                   <a:solidFill>
                     <a:srgbClr val="000000"/>
                   </a:solidFill>
@@ -14491,7 +14899,7 @@
             </a:ln>
             <a:extLst>
               <a:ext uri="{91240B29-F687-4f45-9708-019B960494DF}">
-                <a14:hiddenLine xmlns:a14="http://schemas.microsoft.com/office/drawing/2010/main" xmlns="" w="9525">
+                <a14:hiddenLine xmlns="" xmlns:a14="http://schemas.microsoft.com/office/drawing/2010/main" w="9525">
                   <a:solidFill>
                     <a:srgbClr val="000000"/>
                   </a:solidFill>
@@ -14559,7 +14967,7 @@
             </a:ln>
             <a:extLst>
               <a:ext uri="{91240B29-F687-4f45-9708-019B960494DF}">
-                <a14:hiddenLine xmlns:a14="http://schemas.microsoft.com/office/drawing/2010/main" xmlns="" w="9525">
+                <a14:hiddenLine xmlns="" xmlns:a14="http://schemas.microsoft.com/office/drawing/2010/main" w="9525">
                   <a:solidFill>
                     <a:srgbClr val="000000"/>
                   </a:solidFill>
@@ -14649,7 +15057,7 @@
             </a:ln>
             <a:extLst>
               <a:ext uri="{91240B29-F687-4f45-9708-019B960494DF}">
-                <a14:hiddenLine xmlns:a14="http://schemas.microsoft.com/office/drawing/2010/main" xmlns="" w="9525">
+                <a14:hiddenLine xmlns="" xmlns:a14="http://schemas.microsoft.com/office/drawing/2010/main" w="9525">
                   <a:solidFill>
                     <a:srgbClr val="000000"/>
                   </a:solidFill>
@@ -14717,7 +15125,7 @@
             </a:ln>
             <a:extLst>
               <a:ext uri="{91240B29-F687-4f45-9708-019B960494DF}">
-                <a14:hiddenLine xmlns:a14="http://schemas.microsoft.com/office/drawing/2010/main" xmlns="" w="9525">
+                <a14:hiddenLine xmlns="" xmlns:a14="http://schemas.microsoft.com/office/drawing/2010/main" w="9525">
                   <a:solidFill>
                     <a:srgbClr val="000000"/>
                   </a:solidFill>
@@ -14807,7 +15215,7 @@
             </a:ln>
             <a:extLst>
               <a:ext uri="{91240B29-F687-4f45-9708-019B960494DF}">
-                <a14:hiddenLine xmlns:a14="http://schemas.microsoft.com/office/drawing/2010/main" xmlns="" w="9525">
+                <a14:hiddenLine xmlns="" xmlns:a14="http://schemas.microsoft.com/office/drawing/2010/main" w="9525">
                   <a:solidFill>
                     <a:srgbClr val="000000"/>
                   </a:solidFill>
@@ -14841,7 +15249,7 @@
             </a:ln>
             <a:extLst>
               <a:ext uri="{91240B29-F687-4f45-9708-019B960494DF}">
-                <a14:hiddenLine xmlns:a14="http://schemas.microsoft.com/office/drawing/2010/main" xmlns="" w="9525">
+                <a14:hiddenLine xmlns="" xmlns:a14="http://schemas.microsoft.com/office/drawing/2010/main" w="9525">
                   <a:solidFill>
                     <a:srgbClr val="000000"/>
                   </a:solidFill>
@@ -14931,7 +15339,7 @@
             </a:ln>
             <a:extLst>
               <a:ext uri="{91240B29-F687-4f45-9708-019B960494DF}">
-                <a14:hiddenLine xmlns:a14="http://schemas.microsoft.com/office/drawing/2010/main" xmlns="" w="9525">
+                <a14:hiddenLine xmlns="" xmlns:a14="http://schemas.microsoft.com/office/drawing/2010/main" w="9525">
                   <a:solidFill>
                     <a:srgbClr val="000000"/>
                   </a:solidFill>
@@ -14993,7 +15401,7 @@
             </a:ln>
             <a:extLst>
               <a:ext uri="{91240B29-F687-4f45-9708-019B960494DF}">
-                <a14:hiddenLine xmlns:a14="http://schemas.microsoft.com/office/drawing/2010/main" xmlns="" w="9525">
+                <a14:hiddenLine xmlns="" xmlns:a14="http://schemas.microsoft.com/office/drawing/2010/main" w="9525">
                   <a:solidFill>
                     <a:srgbClr val="000000"/>
                   </a:solidFill>
@@ -15055,7 +15463,7 @@
             </a:ln>
             <a:extLst>
               <a:ext uri="{91240B29-F687-4f45-9708-019B960494DF}">
-                <a14:hiddenLine xmlns:a14="http://schemas.microsoft.com/office/drawing/2010/main" xmlns="" w="9525">
+                <a14:hiddenLine xmlns="" xmlns:a14="http://schemas.microsoft.com/office/drawing/2010/main" w="9525">
                   <a:solidFill>
                     <a:srgbClr val="000000"/>
                   </a:solidFill>
@@ -15145,7 +15553,7 @@
             </a:ln>
             <a:extLst>
               <a:ext uri="{91240B29-F687-4f45-9708-019B960494DF}">
-                <a14:hiddenLine xmlns:a14="http://schemas.microsoft.com/office/drawing/2010/main" xmlns="" w="9525">
+                <a14:hiddenLine xmlns="" xmlns:a14="http://schemas.microsoft.com/office/drawing/2010/main" w="9525">
                   <a:solidFill>
                     <a:srgbClr val="000000"/>
                   </a:solidFill>
@@ -15213,7 +15621,7 @@
             </a:ln>
             <a:extLst>
               <a:ext uri="{91240B29-F687-4f45-9708-019B960494DF}">
-                <a14:hiddenLine xmlns:a14="http://schemas.microsoft.com/office/drawing/2010/main" xmlns="" w="9525">
+                <a14:hiddenLine xmlns="" xmlns:a14="http://schemas.microsoft.com/office/drawing/2010/main" w="9525">
                   <a:solidFill>
                     <a:srgbClr val="000000"/>
                   </a:solidFill>
@@ -15275,7 +15683,7 @@
             </a:ln>
             <a:extLst>
               <a:ext uri="{91240B29-F687-4f45-9708-019B960494DF}">
-                <a14:hiddenLine xmlns:a14="http://schemas.microsoft.com/office/drawing/2010/main" xmlns="" w="9525">
+                <a14:hiddenLine xmlns="" xmlns:a14="http://schemas.microsoft.com/office/drawing/2010/main" w="9525">
                   <a:solidFill>
                     <a:srgbClr val="000000"/>
                   </a:solidFill>
@@ -15365,7 +15773,7 @@
             </a:ln>
             <a:extLst>
               <a:ext uri="{91240B29-F687-4f45-9708-019B960494DF}">
-                <a14:hiddenLine xmlns:a14="http://schemas.microsoft.com/office/drawing/2010/main" xmlns="" w="9525">
+                <a14:hiddenLine xmlns="" xmlns:a14="http://schemas.microsoft.com/office/drawing/2010/main" w="9525">
                   <a:solidFill>
                     <a:srgbClr val="000000"/>
                   </a:solidFill>
@@ -15427,7 +15835,7 @@
             </a:ln>
             <a:extLst>
               <a:ext uri="{91240B29-F687-4f45-9708-019B960494DF}">
-                <a14:hiddenLine xmlns:a14="http://schemas.microsoft.com/office/drawing/2010/main" xmlns="" w="9525">
+                <a14:hiddenLine xmlns="" xmlns:a14="http://schemas.microsoft.com/office/drawing/2010/main" w="9525">
                   <a:solidFill>
                     <a:srgbClr val="000000"/>
                   </a:solidFill>
@@ -15517,7 +15925,7 @@
             </a:ln>
             <a:extLst>
               <a:ext uri="{91240B29-F687-4f45-9708-019B960494DF}">
-                <a14:hiddenLine xmlns:a14="http://schemas.microsoft.com/office/drawing/2010/main" xmlns="" w="9525">
+                <a14:hiddenLine xmlns="" xmlns:a14="http://schemas.microsoft.com/office/drawing/2010/main" w="9525">
                   <a:solidFill>
                     <a:srgbClr val="000000"/>
                   </a:solidFill>
@@ -15579,7 +15987,7 @@
             </a:ln>
             <a:extLst>
               <a:ext uri="{91240B29-F687-4f45-9708-019B960494DF}">
-                <a14:hiddenLine xmlns:a14="http://schemas.microsoft.com/office/drawing/2010/main" xmlns="" w="9525">
+                <a14:hiddenLine xmlns="" xmlns:a14="http://schemas.microsoft.com/office/drawing/2010/main" w="9525">
                   <a:solidFill>
                     <a:srgbClr val="000000"/>
                   </a:solidFill>
@@ -15669,7 +16077,7 @@
             </a:ln>
             <a:extLst>
               <a:ext uri="{91240B29-F687-4f45-9708-019B960494DF}">
-                <a14:hiddenLine xmlns:a14="http://schemas.microsoft.com/office/drawing/2010/main" xmlns="" w="9525">
+                <a14:hiddenLine xmlns="" xmlns:a14="http://schemas.microsoft.com/office/drawing/2010/main" w="9525">
                   <a:solidFill>
                     <a:srgbClr val="000000"/>
                   </a:solidFill>
@@ -15703,7 +16111,7 @@
             </a:ln>
             <a:extLst>
               <a:ext uri="{91240B29-F687-4f45-9708-019B960494DF}">
-                <a14:hiddenLine xmlns:a14="http://schemas.microsoft.com/office/drawing/2010/main" xmlns="" w="9525">
+                <a14:hiddenLine xmlns="" xmlns:a14="http://schemas.microsoft.com/office/drawing/2010/main" w="9525">
                   <a:solidFill>
                     <a:srgbClr val="000000"/>
                   </a:solidFill>
@@ -15768,7 +16176,7 @@
             </a:ln>
             <a:extLst>
               <a:ext uri="{91240B29-F687-4f45-9708-019B960494DF}">
-                <a14:hiddenLine xmlns:a14="http://schemas.microsoft.com/office/drawing/2010/main" xmlns="" w="9525">
+                <a14:hiddenLine xmlns="" xmlns:a14="http://schemas.microsoft.com/office/drawing/2010/main" w="9525">
                   <a:solidFill>
                     <a:srgbClr val="000000"/>
                   </a:solidFill>
@@ -15858,7 +16266,7 @@
             </a:ln>
             <a:extLst>
               <a:ext uri="{91240B29-F687-4f45-9708-019B960494DF}">
-                <a14:hiddenLine xmlns:a14="http://schemas.microsoft.com/office/drawing/2010/main" xmlns="" w="9525">
+                <a14:hiddenLine xmlns="" xmlns:a14="http://schemas.microsoft.com/office/drawing/2010/main" w="9525">
                   <a:solidFill>
                     <a:srgbClr val="000000"/>
                   </a:solidFill>
@@ -15920,7 +16328,7 @@
             </a:ln>
             <a:extLst>
               <a:ext uri="{91240B29-F687-4f45-9708-019B960494DF}">
-                <a14:hiddenLine xmlns:a14="http://schemas.microsoft.com/office/drawing/2010/main" xmlns="" w="9525">
+                <a14:hiddenLine xmlns="" xmlns:a14="http://schemas.microsoft.com/office/drawing/2010/main" w="9525">
                   <a:solidFill>
                     <a:srgbClr val="000000"/>
                   </a:solidFill>
@@ -16010,7 +16418,7 @@
             </a:ln>
             <a:extLst>
               <a:ext uri="{91240B29-F687-4f45-9708-019B960494DF}">
-                <a14:hiddenLine xmlns:a14="http://schemas.microsoft.com/office/drawing/2010/main" xmlns="" w="9525">
+                <a14:hiddenLine xmlns="" xmlns:a14="http://schemas.microsoft.com/office/drawing/2010/main" w="9525">
                   <a:solidFill>
                     <a:srgbClr val="000000"/>
                   </a:solidFill>
@@ -16100,7 +16508,7 @@
             </a:ln>
             <a:extLst>
               <a:ext uri="{91240B29-F687-4f45-9708-019B960494DF}">
-                <a14:hiddenLine xmlns:a14="http://schemas.microsoft.com/office/drawing/2010/main" xmlns="" w="9525">
+                <a14:hiddenLine xmlns="" xmlns:a14="http://schemas.microsoft.com/office/drawing/2010/main" w="9525">
                   <a:solidFill>
                     <a:srgbClr val="000000"/>
                   </a:solidFill>
@@ -16165,7 +16573,7 @@
             </a:ln>
             <a:extLst>
               <a:ext uri="{91240B29-F687-4f45-9708-019B960494DF}">
-                <a14:hiddenLine xmlns:a14="http://schemas.microsoft.com/office/drawing/2010/main" xmlns="" w="9525">
+                <a14:hiddenLine xmlns="" xmlns:a14="http://schemas.microsoft.com/office/drawing/2010/main" w="9525">
                   <a:solidFill>
                     <a:srgbClr val="000000"/>
                   </a:solidFill>
@@ -16227,7 +16635,7 @@
             </a:ln>
             <a:extLst>
               <a:ext uri="{91240B29-F687-4f45-9708-019B960494DF}">
-                <a14:hiddenLine xmlns:a14="http://schemas.microsoft.com/office/drawing/2010/main" xmlns="" w="9525">
+                <a14:hiddenLine xmlns="" xmlns:a14="http://schemas.microsoft.com/office/drawing/2010/main" w="9525">
                   <a:solidFill>
                     <a:srgbClr val="000000"/>
                   </a:solidFill>
@@ -16317,7 +16725,7 @@
             </a:ln>
             <a:extLst>
               <a:ext uri="{91240B29-F687-4f45-9708-019B960494DF}">
-                <a14:hiddenLine xmlns:a14="http://schemas.microsoft.com/office/drawing/2010/main" xmlns="" w="9525">
+                <a14:hiddenLine xmlns="" xmlns:a14="http://schemas.microsoft.com/office/drawing/2010/main" w="9525">
                   <a:solidFill>
                     <a:srgbClr val="000000"/>
                   </a:solidFill>
@@ -16407,7 +16815,7 @@
             </a:ln>
             <a:extLst>
               <a:ext uri="{91240B29-F687-4f45-9708-019B960494DF}">
-                <a14:hiddenLine xmlns:a14="http://schemas.microsoft.com/office/drawing/2010/main" xmlns="" w="9525">
+                <a14:hiddenLine xmlns="" xmlns:a14="http://schemas.microsoft.com/office/drawing/2010/main" w="9525">
                   <a:solidFill>
                     <a:srgbClr val="000000"/>
                   </a:solidFill>
@@ -16469,7 +16877,7 @@
             </a:ln>
             <a:extLst>
               <a:ext uri="{91240B29-F687-4f45-9708-019B960494DF}">
-                <a14:hiddenLine xmlns:a14="http://schemas.microsoft.com/office/drawing/2010/main" xmlns="" w="9525">
+                <a14:hiddenLine xmlns="" xmlns:a14="http://schemas.microsoft.com/office/drawing/2010/main" w="9525">
                   <a:solidFill>
                     <a:srgbClr val="000000"/>
                   </a:solidFill>
@@ -16589,7 +16997,7 @@
             </a:ln>
             <a:extLst>
               <a:ext uri="{91240B29-F687-4f45-9708-019B960494DF}">
-                <a14:hiddenLine xmlns:a14="http://schemas.microsoft.com/office/drawing/2010/main" xmlns="" w="9525">
+                <a14:hiddenLine xmlns="" xmlns:a14="http://schemas.microsoft.com/office/drawing/2010/main" w="9525">
                   <a:solidFill>
                     <a:srgbClr val="000000"/>
                   </a:solidFill>
@@ -16657,7 +17065,7 @@
             </a:ln>
             <a:extLst>
               <a:ext uri="{91240B29-F687-4f45-9708-019B960494DF}">
-                <a14:hiddenLine xmlns:a14="http://schemas.microsoft.com/office/drawing/2010/main" xmlns="" w="9525">
+                <a14:hiddenLine xmlns="" xmlns:a14="http://schemas.microsoft.com/office/drawing/2010/main" w="9525">
                   <a:solidFill>
                     <a:srgbClr val="000000"/>
                   </a:solidFill>
@@ -16747,7 +17155,7 @@
             </a:ln>
             <a:extLst>
               <a:ext uri="{91240B29-F687-4f45-9708-019B960494DF}">
-                <a14:hiddenLine xmlns:a14="http://schemas.microsoft.com/office/drawing/2010/main" xmlns="" w="9525">
+                <a14:hiddenLine xmlns="" xmlns:a14="http://schemas.microsoft.com/office/drawing/2010/main" w="9525">
                   <a:solidFill>
                     <a:srgbClr val="000000"/>
                   </a:solidFill>
@@ -16887,7 +17295,7 @@
           <a:p>
             <a:fld id="{40B67168-CC4D-46CB-B94E-9E66055953F4}" type="datetimeFigureOut">
               <a:rPr lang="en-US" smtClean="0"/>
-              <a:t>23-Nov-20</a:t>
+              <a:t>26-Nov-20</a:t>
             </a:fld>
             <a:endParaRPr lang="en-US"/>
           </a:p>
@@ -17154,7 +17562,7 @@
           <a:p>
             <a:fld id="{40B67168-CC4D-46CB-B94E-9E66055953F4}" type="datetimeFigureOut">
               <a:rPr lang="en-US" smtClean="0"/>
-              <a:t>23-Nov-20</a:t>
+              <a:t>26-Nov-20</a:t>
             </a:fld>
             <a:endParaRPr lang="en-US"/>
           </a:p>
@@ -17350,7 +17758,7 @@
           <a:p>
             <a:fld id="{40B67168-CC4D-46CB-B94E-9E66055953F4}" type="datetimeFigureOut">
               <a:rPr lang="en-US" smtClean="0"/>
-              <a:t>23-Nov-20</a:t>
+              <a:t>26-Nov-20</a:t>
             </a:fld>
             <a:endParaRPr lang="en-US"/>
           </a:p>
@@ -17613,7 +18021,7 @@
           <a:p>
             <a:fld id="{40B67168-CC4D-46CB-B94E-9E66055953F4}" type="datetimeFigureOut">
               <a:rPr lang="en-US" smtClean="0"/>
-              <a:t>23-Nov-20</a:t>
+              <a:t>26-Nov-20</a:t>
             </a:fld>
             <a:endParaRPr lang="en-US"/>
           </a:p>
@@ -18047,7 +18455,7 @@
           <a:p>
             <a:fld id="{40B67168-CC4D-46CB-B94E-9E66055953F4}" type="datetimeFigureOut">
               <a:rPr lang="en-US" smtClean="0"/>
-              <a:t>23-Nov-20</a:t>
+              <a:t>26-Nov-20</a:t>
             </a:fld>
             <a:endParaRPr lang="en-US"/>
           </a:p>
@@ -18593,7 +19001,7 @@
           <a:p>
             <a:fld id="{40B67168-CC4D-46CB-B94E-9E66055953F4}" type="datetimeFigureOut">
               <a:rPr lang="en-US" smtClean="0"/>
-              <a:t>23-Nov-20</a:t>
+              <a:t>26-Nov-20</a:t>
             </a:fld>
             <a:endParaRPr lang="en-US"/>
           </a:p>
@@ -19313,7 +19721,7 @@
           <a:p>
             <a:fld id="{40B67168-CC4D-46CB-B94E-9E66055953F4}" type="datetimeFigureOut">
               <a:rPr lang="en-US" smtClean="0"/>
-              <a:t>23-Nov-20</a:t>
+              <a:t>26-Nov-20</a:t>
             </a:fld>
             <a:endParaRPr lang="en-US"/>
           </a:p>
@@ -19483,7 +19891,7 @@
           <a:p>
             <a:fld id="{40B67168-CC4D-46CB-B94E-9E66055953F4}" type="datetimeFigureOut">
               <a:rPr lang="en-US" smtClean="0"/>
-              <a:t>23-Nov-20</a:t>
+              <a:t>26-Nov-20</a:t>
             </a:fld>
             <a:endParaRPr lang="en-US"/>
           </a:p>
@@ -19663,7 +20071,7 @@
           <a:p>
             <a:fld id="{40B67168-CC4D-46CB-B94E-9E66055953F4}" type="datetimeFigureOut">
               <a:rPr lang="en-US" smtClean="0"/>
-              <a:t>23-Nov-20</a:t>
+              <a:t>26-Nov-20</a:t>
             </a:fld>
             <a:endParaRPr lang="en-US"/>
           </a:p>
@@ -19833,7 +20241,7 @@
           <a:p>
             <a:fld id="{40B67168-CC4D-46CB-B94E-9E66055953F4}" type="datetimeFigureOut">
               <a:rPr lang="en-US" smtClean="0"/>
-              <a:t>23-Nov-20</a:t>
+              <a:t>26-Nov-20</a:t>
             </a:fld>
             <a:endParaRPr lang="en-US"/>
           </a:p>
@@ -20083,7 +20491,7 @@
           <a:p>
             <a:fld id="{40B67168-CC4D-46CB-B94E-9E66055953F4}" type="datetimeFigureOut">
               <a:rPr lang="en-US" smtClean="0"/>
-              <a:t>23-Nov-20</a:t>
+              <a:t>26-Nov-20</a:t>
             </a:fld>
             <a:endParaRPr lang="en-US"/>
           </a:p>
@@ -20315,7 +20723,7 @@
           <a:p>
             <a:fld id="{40B67168-CC4D-46CB-B94E-9E66055953F4}" type="datetimeFigureOut">
               <a:rPr lang="en-US" smtClean="0"/>
-              <a:t>23-Nov-20</a:t>
+              <a:t>26-Nov-20</a:t>
             </a:fld>
             <a:endParaRPr lang="en-US"/>
           </a:p>
@@ -20696,7 +21104,7 @@
           <a:p>
             <a:fld id="{40B67168-CC4D-46CB-B94E-9E66055953F4}" type="datetimeFigureOut">
               <a:rPr lang="en-US" smtClean="0"/>
-              <a:t>23-Nov-20</a:t>
+              <a:t>26-Nov-20</a:t>
             </a:fld>
             <a:endParaRPr lang="en-US"/>
           </a:p>
@@ -20814,7 +21222,7 @@
           <a:p>
             <a:fld id="{40B67168-CC4D-46CB-B94E-9E66055953F4}" type="datetimeFigureOut">
               <a:rPr lang="en-US" smtClean="0"/>
-              <a:t>23-Nov-20</a:t>
+              <a:t>26-Nov-20</a:t>
             </a:fld>
             <a:endParaRPr lang="en-US"/>
           </a:p>
@@ -20909,7 +21317,7 @@
           <a:p>
             <a:fld id="{40B67168-CC4D-46CB-B94E-9E66055953F4}" type="datetimeFigureOut">
               <a:rPr lang="en-US" smtClean="0"/>
-              <a:t>23-Nov-20</a:t>
+              <a:t>26-Nov-20</a:t>
             </a:fld>
             <a:endParaRPr lang="en-US"/>
           </a:p>
@@ -21158,7 +21566,7 @@
           <a:p>
             <a:fld id="{40B67168-CC4D-46CB-B94E-9E66055953F4}" type="datetimeFigureOut">
               <a:rPr lang="en-US" smtClean="0"/>
-              <a:t>23-Nov-20</a:t>
+              <a:t>26-Nov-20</a:t>
             </a:fld>
             <a:endParaRPr lang="en-US"/>
           </a:p>
@@ -21438,7 +21846,7 @@
           <a:p>
             <a:fld id="{40B67168-CC4D-46CB-B94E-9E66055953F4}" type="datetimeFigureOut">
               <a:rPr lang="en-US" smtClean="0"/>
-              <a:t>23-Nov-20</a:t>
+              <a:t>26-Nov-20</a:t>
             </a:fld>
             <a:endParaRPr lang="en-US"/>
           </a:p>
@@ -21554,7 +21962,7 @@
           <a:noFill/>
           <a:extLst>
             <a:ext uri="{909E8E84-426E-40dd-AFC4-6F175D3DCCD1}">
-              <a14:hiddenFill xmlns:a14="http://schemas.microsoft.com/office/drawing/2010/main" xmlns="">
+              <a14:hiddenFill xmlns="" xmlns:a14="http://schemas.microsoft.com/office/drawing/2010/main">
                 <a:solidFill>
                   <a:srgbClr val="FFFFFF"/>
                 </a:solidFill>
@@ -21628,7 +22036,7 @@
               </a:ln>
               <a:extLst>
                 <a:ext uri="{91240B29-F687-4f45-9708-019B960494DF}">
-                  <a14:hiddenLine xmlns:a14="http://schemas.microsoft.com/office/drawing/2010/main" xmlns="" w="9525">
+                  <a14:hiddenLine xmlns="" xmlns:a14="http://schemas.microsoft.com/office/drawing/2010/main" w="9525">
                     <a:solidFill>
                       <a:srgbClr val="000000"/>
                     </a:solidFill>
@@ -21718,7 +22126,7 @@
               </a:ln>
               <a:extLst>
                 <a:ext uri="{91240B29-F687-4f45-9708-019B960494DF}">
-                  <a14:hiddenLine xmlns:a14="http://schemas.microsoft.com/office/drawing/2010/main" xmlns="" w="9525">
+                  <a14:hiddenLine xmlns="" xmlns:a14="http://schemas.microsoft.com/office/drawing/2010/main" w="9525">
                     <a:solidFill>
                       <a:srgbClr val="000000"/>
                     </a:solidFill>
@@ -21808,7 +22216,7 @@
               </a:ln>
               <a:extLst>
                 <a:ext uri="{91240B29-F687-4f45-9708-019B960494DF}">
-                  <a14:hiddenLine xmlns:a14="http://schemas.microsoft.com/office/drawing/2010/main" xmlns="" w="9525">
+                  <a14:hiddenLine xmlns="" xmlns:a14="http://schemas.microsoft.com/office/drawing/2010/main" w="9525">
                     <a:solidFill>
                       <a:srgbClr val="000000"/>
                     </a:solidFill>
@@ -21870,7 +22278,7 @@
               </a:ln>
               <a:extLst>
                 <a:ext uri="{91240B29-F687-4f45-9708-019B960494DF}">
-                  <a14:hiddenLine xmlns:a14="http://schemas.microsoft.com/office/drawing/2010/main" xmlns="" w="9525">
+                  <a14:hiddenLine xmlns="" xmlns:a14="http://schemas.microsoft.com/office/drawing/2010/main" w="9525">
                     <a:solidFill>
                       <a:srgbClr val="000000"/>
                     </a:solidFill>
@@ -21960,7 +22368,7 @@
               </a:ln>
               <a:extLst>
                 <a:ext uri="{91240B29-F687-4f45-9708-019B960494DF}">
-                  <a14:hiddenLine xmlns:a14="http://schemas.microsoft.com/office/drawing/2010/main" xmlns="" w="9525">
+                  <a14:hiddenLine xmlns="" xmlns:a14="http://schemas.microsoft.com/office/drawing/2010/main" w="9525">
                     <a:solidFill>
                       <a:srgbClr val="000000"/>
                     </a:solidFill>
@@ -22022,7 +22430,7 @@
               </a:ln>
               <a:extLst>
                 <a:ext uri="{91240B29-F687-4f45-9708-019B960494DF}">
-                  <a14:hiddenLine xmlns:a14="http://schemas.microsoft.com/office/drawing/2010/main" xmlns="" w="9525">
+                  <a14:hiddenLine xmlns="" xmlns:a14="http://schemas.microsoft.com/office/drawing/2010/main" w="9525">
                     <a:solidFill>
                       <a:srgbClr val="000000"/>
                     </a:solidFill>
@@ -22084,7 +22492,7 @@
               </a:ln>
               <a:extLst>
                 <a:ext uri="{91240B29-F687-4f45-9708-019B960494DF}">
-                  <a14:hiddenLine xmlns:a14="http://schemas.microsoft.com/office/drawing/2010/main" xmlns="" w="9525">
+                  <a14:hiddenLine xmlns="" xmlns:a14="http://schemas.microsoft.com/office/drawing/2010/main" w="9525">
                     <a:solidFill>
                       <a:srgbClr val="000000"/>
                     </a:solidFill>
@@ -22174,7 +22582,7 @@
               </a:ln>
               <a:extLst>
                 <a:ext uri="{91240B29-F687-4f45-9708-019B960494DF}">
-                  <a14:hiddenLine xmlns:a14="http://schemas.microsoft.com/office/drawing/2010/main" xmlns="" w="9525">
+                  <a14:hiddenLine xmlns="" xmlns:a14="http://schemas.microsoft.com/office/drawing/2010/main" w="9525">
                     <a:solidFill>
                       <a:srgbClr val="000000"/>
                     </a:solidFill>
@@ -22264,7 +22672,7 @@
               </a:ln>
               <a:extLst>
                 <a:ext uri="{91240B29-F687-4f45-9708-019B960494DF}">
-                  <a14:hiddenLine xmlns:a14="http://schemas.microsoft.com/office/drawing/2010/main" xmlns="" w="9525">
+                  <a14:hiddenLine xmlns="" xmlns:a14="http://schemas.microsoft.com/office/drawing/2010/main" w="9525">
                     <a:solidFill>
                       <a:srgbClr val="000000"/>
                     </a:solidFill>
@@ -22326,7 +22734,7 @@
               </a:ln>
               <a:extLst>
                 <a:ext uri="{91240B29-F687-4f45-9708-019B960494DF}">
-                  <a14:hiddenLine xmlns:a14="http://schemas.microsoft.com/office/drawing/2010/main" xmlns="" w="9525">
+                  <a14:hiddenLine xmlns="" xmlns:a14="http://schemas.microsoft.com/office/drawing/2010/main" w="9525">
                     <a:solidFill>
                       <a:srgbClr val="000000"/>
                     </a:solidFill>
@@ -22436,7 +22844,7 @@
               </a:ln>
               <a:extLst>
                 <a:ext uri="{91240B29-F687-4f45-9708-019B960494DF}">
-                  <a14:hiddenLine xmlns:a14="http://schemas.microsoft.com/office/drawing/2010/main" xmlns="" w="9525">
+                  <a14:hiddenLine xmlns="" xmlns:a14="http://schemas.microsoft.com/office/drawing/2010/main" w="9525">
                     <a:solidFill>
                       <a:srgbClr val="000000"/>
                     </a:solidFill>
@@ -22520,7 +22928,7 @@
               </a:ln>
               <a:extLst>
                 <a:ext uri="{91240B29-F687-4f45-9708-019B960494DF}">
-                  <a14:hiddenLine xmlns:a14="http://schemas.microsoft.com/office/drawing/2010/main" xmlns="" w="9525">
+                  <a14:hiddenLine xmlns="" xmlns:a14="http://schemas.microsoft.com/office/drawing/2010/main" w="9525">
                     <a:solidFill>
                       <a:srgbClr val="000000"/>
                     </a:solidFill>
@@ -22582,7 +22990,7 @@
               </a:ln>
               <a:extLst>
                 <a:ext uri="{91240B29-F687-4f45-9708-019B960494DF}">
-                  <a14:hiddenLine xmlns:a14="http://schemas.microsoft.com/office/drawing/2010/main" xmlns="" w="9525">
+                  <a14:hiddenLine xmlns="" xmlns:a14="http://schemas.microsoft.com/office/drawing/2010/main" w="9525">
                     <a:solidFill>
                       <a:srgbClr val="000000"/>
                     </a:solidFill>
@@ -22644,7 +23052,7 @@
               </a:ln>
               <a:extLst>
                 <a:ext uri="{91240B29-F687-4f45-9708-019B960494DF}">
-                  <a14:hiddenLine xmlns:a14="http://schemas.microsoft.com/office/drawing/2010/main" xmlns="" w="9525">
+                  <a14:hiddenLine xmlns="" xmlns:a14="http://schemas.microsoft.com/office/drawing/2010/main" w="9525">
                     <a:solidFill>
                       <a:srgbClr val="000000"/>
                     </a:solidFill>
@@ -22734,7 +23142,7 @@
               </a:ln>
               <a:extLst>
                 <a:ext uri="{91240B29-F687-4f45-9708-019B960494DF}">
-                  <a14:hiddenLine xmlns:a14="http://schemas.microsoft.com/office/drawing/2010/main" xmlns="" w="9525">
+                  <a14:hiddenLine xmlns="" xmlns:a14="http://schemas.microsoft.com/office/drawing/2010/main" w="9525">
                     <a:solidFill>
                       <a:srgbClr val="000000"/>
                     </a:solidFill>
@@ -22768,7 +23176,7 @@
               </a:ln>
               <a:extLst>
                 <a:ext uri="{91240B29-F687-4f45-9708-019B960494DF}">
-                  <a14:hiddenLine xmlns:a14="http://schemas.microsoft.com/office/drawing/2010/main" xmlns="" w="9525">
+                  <a14:hiddenLine xmlns="" xmlns:a14="http://schemas.microsoft.com/office/drawing/2010/main" w="9525">
                     <a:solidFill>
                       <a:srgbClr val="000000"/>
                     </a:solidFill>
@@ -22833,7 +23241,7 @@
               </a:ln>
               <a:extLst>
                 <a:ext uri="{91240B29-F687-4f45-9708-019B960494DF}">
-                  <a14:hiddenLine xmlns:a14="http://schemas.microsoft.com/office/drawing/2010/main" xmlns="" w="9525">
+                  <a14:hiddenLine xmlns="" xmlns:a14="http://schemas.microsoft.com/office/drawing/2010/main" w="9525">
                     <a:solidFill>
                       <a:srgbClr val="000000"/>
                     </a:solidFill>
@@ -22923,7 +23331,7 @@
               </a:ln>
               <a:extLst>
                 <a:ext uri="{91240B29-F687-4f45-9708-019B960494DF}">
-                  <a14:hiddenLine xmlns:a14="http://schemas.microsoft.com/office/drawing/2010/main" xmlns="" w="9525">
+                  <a14:hiddenLine xmlns="" xmlns:a14="http://schemas.microsoft.com/office/drawing/2010/main" w="9525">
                     <a:solidFill>
                       <a:srgbClr val="000000"/>
                     </a:solidFill>
@@ -22985,7 +23393,7 @@
               </a:ln>
               <a:extLst>
                 <a:ext uri="{91240B29-F687-4f45-9708-019B960494DF}">
-                  <a14:hiddenLine xmlns:a14="http://schemas.microsoft.com/office/drawing/2010/main" xmlns="" w="9525">
+                  <a14:hiddenLine xmlns="" xmlns:a14="http://schemas.microsoft.com/office/drawing/2010/main" w="9525">
                     <a:solidFill>
                       <a:srgbClr val="000000"/>
                     </a:solidFill>
@@ -23075,7 +23483,7 @@
               </a:ln>
               <a:extLst>
                 <a:ext uri="{91240B29-F687-4f45-9708-019B960494DF}">
-                  <a14:hiddenLine xmlns:a14="http://schemas.microsoft.com/office/drawing/2010/main" xmlns="" w="9525">
+                  <a14:hiddenLine xmlns="" xmlns:a14="http://schemas.microsoft.com/office/drawing/2010/main" w="9525">
                     <a:solidFill>
                       <a:srgbClr val="000000"/>
                     </a:solidFill>
@@ -23140,7 +23548,7 @@
               </a:ln>
               <a:extLst>
                 <a:ext uri="{91240B29-F687-4f45-9708-019B960494DF}">
-                  <a14:hiddenLine xmlns:a14="http://schemas.microsoft.com/office/drawing/2010/main" xmlns="" w="9525">
+                  <a14:hiddenLine xmlns="" xmlns:a14="http://schemas.microsoft.com/office/drawing/2010/main" w="9525">
                     <a:solidFill>
                       <a:srgbClr val="000000"/>
                     </a:solidFill>
@@ -23202,7 +23610,7 @@
               </a:ln>
               <a:extLst>
                 <a:ext uri="{91240B29-F687-4f45-9708-019B960494DF}">
-                  <a14:hiddenLine xmlns:a14="http://schemas.microsoft.com/office/drawing/2010/main" xmlns="" w="9525">
+                  <a14:hiddenLine xmlns="" xmlns:a14="http://schemas.microsoft.com/office/drawing/2010/main" w="9525">
                     <a:solidFill>
                       <a:srgbClr val="000000"/>
                     </a:solidFill>
@@ -23292,7 +23700,7 @@
               </a:ln>
               <a:extLst>
                 <a:ext uri="{91240B29-F687-4f45-9708-019B960494DF}">
-                  <a14:hiddenLine xmlns:a14="http://schemas.microsoft.com/office/drawing/2010/main" xmlns="" w="9525">
+                  <a14:hiddenLine xmlns="" xmlns:a14="http://schemas.microsoft.com/office/drawing/2010/main" w="9525">
                     <a:solidFill>
                       <a:srgbClr val="000000"/>
                     </a:solidFill>
@@ -23382,7 +23790,7 @@
               </a:ln>
               <a:extLst>
                 <a:ext uri="{91240B29-F687-4f45-9708-019B960494DF}">
-                  <a14:hiddenLine xmlns:a14="http://schemas.microsoft.com/office/drawing/2010/main" xmlns="" w="9525">
+                  <a14:hiddenLine xmlns="" xmlns:a14="http://schemas.microsoft.com/office/drawing/2010/main" w="9525">
                     <a:solidFill>
                       <a:srgbClr val="000000"/>
                     </a:solidFill>
@@ -23447,7 +23855,7 @@
               </a:ln>
               <a:extLst>
                 <a:ext uri="{91240B29-F687-4f45-9708-019B960494DF}">
-                  <a14:hiddenLine xmlns:a14="http://schemas.microsoft.com/office/drawing/2010/main" xmlns="" w="9525">
+                  <a14:hiddenLine xmlns="" xmlns:a14="http://schemas.microsoft.com/office/drawing/2010/main" w="9525">
                     <a:solidFill>
                       <a:srgbClr val="000000"/>
                     </a:solidFill>
@@ -23567,7 +23975,7 @@
               </a:ln>
               <a:extLst>
                 <a:ext uri="{91240B29-F687-4f45-9708-019B960494DF}">
-                  <a14:hiddenLine xmlns:a14="http://schemas.microsoft.com/office/drawing/2010/main" xmlns="" w="9525">
+                  <a14:hiddenLine xmlns="" xmlns:a14="http://schemas.microsoft.com/office/drawing/2010/main" w="9525">
                     <a:solidFill>
                       <a:srgbClr val="000000"/>
                     </a:solidFill>
@@ -23665,7 +24073,7 @@
               </a:ln>
               <a:extLst>
                 <a:ext uri="{91240B29-F687-4f45-9708-019B960494DF}">
-                  <a14:hiddenLine xmlns:a14="http://schemas.microsoft.com/office/drawing/2010/main" xmlns="" w="9525">
+                  <a14:hiddenLine xmlns="" xmlns:a14="http://schemas.microsoft.com/office/drawing/2010/main" w="9525">
                     <a:solidFill>
                       <a:srgbClr val="000000"/>
                     </a:solidFill>
@@ -23780,7 +24188,7 @@
               </a:ln>
               <a:extLst>
                 <a:ext uri="{91240B29-F687-4f45-9708-019B960494DF}">
-                  <a14:hiddenLine xmlns:a14="http://schemas.microsoft.com/office/drawing/2010/main" xmlns="" w="9525">
+                  <a14:hiddenLine xmlns="" xmlns:a14="http://schemas.microsoft.com/office/drawing/2010/main" w="9525">
                     <a:solidFill>
                       <a:srgbClr val="000000"/>
                     </a:solidFill>
@@ -23870,7 +24278,7 @@
               </a:ln>
               <a:extLst>
                 <a:ext uri="{91240B29-F687-4f45-9708-019B960494DF}">
-                  <a14:hiddenLine xmlns:a14="http://schemas.microsoft.com/office/drawing/2010/main" xmlns="" w="9525">
+                  <a14:hiddenLine xmlns="" xmlns:a14="http://schemas.microsoft.com/office/drawing/2010/main" w="9525">
                     <a:solidFill>
                       <a:srgbClr val="000000"/>
                     </a:solidFill>
@@ -23935,7 +24343,7 @@
               </a:ln>
               <a:extLst>
                 <a:ext uri="{91240B29-F687-4f45-9708-019B960494DF}">
-                  <a14:hiddenLine xmlns:a14="http://schemas.microsoft.com/office/drawing/2010/main" xmlns="" w="9525">
+                  <a14:hiddenLine xmlns="" xmlns:a14="http://schemas.microsoft.com/office/drawing/2010/main" w="9525">
                     <a:solidFill>
                       <a:srgbClr val="000000"/>
                     </a:solidFill>
@@ -24025,7 +24433,7 @@
               </a:ln>
               <a:extLst>
                 <a:ext uri="{91240B29-F687-4f45-9708-019B960494DF}">
-                  <a14:hiddenLine xmlns:a14="http://schemas.microsoft.com/office/drawing/2010/main" xmlns="" w="9525">
+                  <a14:hiddenLine xmlns="" xmlns:a14="http://schemas.microsoft.com/office/drawing/2010/main" w="9525">
                     <a:solidFill>
                       <a:srgbClr val="000000"/>
                     </a:solidFill>
@@ -24093,7 +24501,7 @@
               </a:ln>
               <a:extLst>
                 <a:ext uri="{91240B29-F687-4f45-9708-019B960494DF}">
-                  <a14:hiddenLine xmlns:a14="http://schemas.microsoft.com/office/drawing/2010/main" xmlns="" w="9525">
+                  <a14:hiddenLine xmlns="" xmlns:a14="http://schemas.microsoft.com/office/drawing/2010/main" w="9525">
                     <a:solidFill>
                       <a:srgbClr val="000000"/>
                     </a:solidFill>
@@ -24183,7 +24591,7 @@
               </a:ln>
               <a:extLst>
                 <a:ext uri="{91240B29-F687-4f45-9708-019B960494DF}">
-                  <a14:hiddenLine xmlns:a14="http://schemas.microsoft.com/office/drawing/2010/main" xmlns="" w="9525">
+                  <a14:hiddenLine xmlns="" xmlns:a14="http://schemas.microsoft.com/office/drawing/2010/main" w="9525">
                     <a:solidFill>
                       <a:srgbClr val="000000"/>
                     </a:solidFill>
@@ -24251,7 +24659,7 @@
               </a:ln>
               <a:extLst>
                 <a:ext uri="{91240B29-F687-4f45-9708-019B960494DF}">
-                  <a14:hiddenLine xmlns:a14="http://schemas.microsoft.com/office/drawing/2010/main" xmlns="" w="9525">
+                  <a14:hiddenLine xmlns="" xmlns:a14="http://schemas.microsoft.com/office/drawing/2010/main" w="9525">
                     <a:solidFill>
                       <a:srgbClr val="000000"/>
                     </a:solidFill>
@@ -24341,7 +24749,7 @@
               </a:ln>
               <a:extLst>
                 <a:ext uri="{91240B29-F687-4f45-9708-019B960494DF}">
-                  <a14:hiddenLine xmlns:a14="http://schemas.microsoft.com/office/drawing/2010/main" xmlns="" w="9525">
+                  <a14:hiddenLine xmlns="" xmlns:a14="http://schemas.microsoft.com/office/drawing/2010/main" w="9525">
                     <a:solidFill>
                       <a:srgbClr val="000000"/>
                     </a:solidFill>
@@ -24375,7 +24783,7 @@
               </a:ln>
               <a:extLst>
                 <a:ext uri="{91240B29-F687-4f45-9708-019B960494DF}">
-                  <a14:hiddenLine xmlns:a14="http://schemas.microsoft.com/office/drawing/2010/main" xmlns="" w="9525">
+                  <a14:hiddenLine xmlns="" xmlns:a14="http://schemas.microsoft.com/office/drawing/2010/main" w="9525">
                     <a:solidFill>
                       <a:srgbClr val="000000"/>
                     </a:solidFill>
@@ -24515,7 +24923,7 @@
           <a:p>
             <a:fld id="{40B67168-CC4D-46CB-B94E-9E66055953F4}" type="datetimeFigureOut">
               <a:rPr lang="en-US" smtClean="0"/>
-              <a:t>23-Nov-20</a:t>
+              <a:t>26-Nov-20</a:t>
             </a:fld>
             <a:endParaRPr lang="en-US"/>
           </a:p>
@@ -25389,7 +25797,7 @@
     <p:bg>
       <p:bgPr>
         <a:blipFill dpi="0" rotWithShape="1">
-          <a:blip r:embed="rId2">
+          <a:blip r:embed="rId3">
             <a:alphaModFix amt="65000"/>
             <a:duotone>
               <a:schemeClr val="bg2">
@@ -25464,7 +25872,7 @@
             <p:nvPr/>
           </p:nvPicPr>
           <p:blipFill>
-            <a:blip r:embed="rId3">
+            <a:blip r:embed="rId4">
               <a:extLst>
                 <a:ext uri="{28A0092B-C50C-407E-A947-70E740481C1C}">
                   <a14:useLocalDpi xmlns:a14="http://schemas.microsoft.com/office/drawing/2010/main" val="0"/>
@@ -25535,7 +25943,7 @@
         </p:nvSpPr>
         <p:spPr>
           <a:xfrm>
-            <a:off x="2923764" y="2844225"/>
+            <a:off x="2923764" y="3105834"/>
             <a:ext cx="7426036" cy="646331"/>
           </a:xfrm>
           <a:prstGeom prst="rect">
@@ -25561,6 +25969,42 @@
               <a:rPr lang="en-US" sz="3200" dirty="0"/>
               <a:t> see the Web Site in action!!</a:t>
             </a:r>
+          </a:p>
+        </p:txBody>
+      </p:sp>
+      <p:sp>
+        <p:nvSpPr>
+          <p:cNvPr id="2" name="TextBox 1">
+            <a:extLst>
+              <a:ext uri="{FF2B5EF4-FFF2-40B4-BE49-F238E27FC236}">
+                <a16:creationId xmlns:a16="http://schemas.microsoft.com/office/drawing/2014/main" id="{2E7A3673-1038-4442-9121-8433E35AF36C}"/>
+              </a:ext>
+            </a:extLst>
+          </p:cNvPr>
+          <p:cNvSpPr txBox="1"/>
+          <p:nvPr/>
+        </p:nvSpPr>
+        <p:spPr>
+          <a:xfrm>
+            <a:off x="2923764" y="2110838"/>
+            <a:ext cx="3630157" cy="584775"/>
+          </a:xfrm>
+          <a:prstGeom prst="rect">
+            <a:avLst/>
+          </a:prstGeom>
+          <a:noFill/>
+        </p:spPr>
+        <p:txBody>
+          <a:bodyPr wrap="square" rtlCol="0">
+            <a:spAutoFit/>
+          </a:bodyPr>
+          <a:lstStyle/>
+          <a:p>
+            <a:r>
+              <a:rPr lang="en-US" sz="3200" dirty="0"/>
+              <a:t>BUGS</a:t>
+            </a:r>
+            <a:endParaRPr lang="en-US" dirty="0"/>
           </a:p>
         </p:txBody>
       </p:sp>

--- a/11_ProjectPresentation/MyWebPresentation.pptx
+++ b/11_ProjectPresentation/MyWebPresentation.pptx
@@ -13069,7 +13069,7 @@
           <a:noFill/>
           <a:extLst>
             <a:ext uri="{909E8E84-426E-40dd-AFC4-6F175D3DCCD1}">
-              <a14:hiddenFill xmlns="" xmlns:a14="http://schemas.microsoft.com/office/drawing/2010/main">
+              <a14:hiddenFill xmlns:a14="http://schemas.microsoft.com/office/drawing/2010/main" xmlns="">
                 <a:solidFill>
                   <a:srgbClr val="FFFFFF"/>
                 </a:solidFill>
@@ -13129,7 +13129,7 @@
             </a:ln>
             <a:extLst>
               <a:ext uri="{91240B29-F687-4f45-9708-019B960494DF}">
-                <a14:hiddenLine xmlns="" xmlns:a14="http://schemas.microsoft.com/office/drawing/2010/main" w="9525">
+                <a14:hiddenLine xmlns:a14="http://schemas.microsoft.com/office/drawing/2010/main" xmlns="" w="9525">
                   <a:solidFill>
                     <a:srgbClr val="000000"/>
                   </a:solidFill>
@@ -13219,7 +13219,7 @@
             </a:ln>
             <a:extLst>
               <a:ext uri="{91240B29-F687-4f45-9708-019B960494DF}">
-                <a14:hiddenLine xmlns="" xmlns:a14="http://schemas.microsoft.com/office/drawing/2010/main" w="9525">
+                <a14:hiddenLine xmlns:a14="http://schemas.microsoft.com/office/drawing/2010/main" xmlns="" w="9525">
                   <a:solidFill>
                     <a:srgbClr val="000000"/>
                   </a:solidFill>
@@ -13309,7 +13309,7 @@
             </a:ln>
             <a:extLst>
               <a:ext uri="{91240B29-F687-4f45-9708-019B960494DF}">
-                <a14:hiddenLine xmlns="" xmlns:a14="http://schemas.microsoft.com/office/drawing/2010/main" w="9525">
+                <a14:hiddenLine xmlns:a14="http://schemas.microsoft.com/office/drawing/2010/main" xmlns="" w="9525">
                   <a:solidFill>
                     <a:srgbClr val="000000"/>
                   </a:solidFill>
@@ -13343,7 +13343,7 @@
             </a:ln>
             <a:extLst>
               <a:ext uri="{91240B29-F687-4f45-9708-019B960494DF}">
-                <a14:hiddenLine xmlns="" xmlns:a14="http://schemas.microsoft.com/office/drawing/2010/main" w="9525">
+                <a14:hiddenLine xmlns:a14="http://schemas.microsoft.com/office/drawing/2010/main" xmlns="" w="9525">
                   <a:solidFill>
                     <a:srgbClr val="000000"/>
                   </a:solidFill>
@@ -13433,7 +13433,7 @@
             </a:ln>
             <a:extLst>
               <a:ext uri="{91240B29-F687-4f45-9708-019B960494DF}">
-                <a14:hiddenLine xmlns="" xmlns:a14="http://schemas.microsoft.com/office/drawing/2010/main" w="9525">
+                <a14:hiddenLine xmlns:a14="http://schemas.microsoft.com/office/drawing/2010/main" xmlns="" w="9525">
                   <a:solidFill>
                     <a:srgbClr val="000000"/>
                   </a:solidFill>
@@ -13495,7 +13495,7 @@
             </a:ln>
             <a:extLst>
               <a:ext uri="{91240B29-F687-4f45-9708-019B960494DF}">
-                <a14:hiddenLine xmlns="" xmlns:a14="http://schemas.microsoft.com/office/drawing/2010/main" w="9525">
+                <a14:hiddenLine xmlns:a14="http://schemas.microsoft.com/office/drawing/2010/main" xmlns="" w="9525">
                   <a:solidFill>
                     <a:srgbClr val="000000"/>
                   </a:solidFill>
@@ -13557,7 +13557,7 @@
             </a:ln>
             <a:extLst>
               <a:ext uri="{91240B29-F687-4f45-9708-019B960494DF}">
-                <a14:hiddenLine xmlns="" xmlns:a14="http://schemas.microsoft.com/office/drawing/2010/main" w="9525">
+                <a14:hiddenLine xmlns:a14="http://schemas.microsoft.com/office/drawing/2010/main" xmlns="" w="9525">
                   <a:solidFill>
                     <a:srgbClr val="000000"/>
                   </a:solidFill>
@@ -13647,7 +13647,7 @@
             </a:ln>
             <a:extLst>
               <a:ext uri="{91240B29-F687-4f45-9708-019B960494DF}">
-                <a14:hiddenLine xmlns="" xmlns:a14="http://schemas.microsoft.com/office/drawing/2010/main" w="9525">
+                <a14:hiddenLine xmlns:a14="http://schemas.microsoft.com/office/drawing/2010/main" xmlns="" w="9525">
                   <a:solidFill>
                     <a:srgbClr val="000000"/>
                   </a:solidFill>
@@ -13709,7 +13709,7 @@
             </a:ln>
             <a:extLst>
               <a:ext uri="{91240B29-F687-4f45-9708-019B960494DF}">
-                <a14:hiddenLine xmlns="" xmlns:a14="http://schemas.microsoft.com/office/drawing/2010/main" w="9525">
+                <a14:hiddenLine xmlns:a14="http://schemas.microsoft.com/office/drawing/2010/main" xmlns="" w="9525">
                   <a:solidFill>
                     <a:srgbClr val="000000"/>
                   </a:solidFill>
@@ -13771,7 +13771,7 @@
             </a:ln>
             <a:extLst>
               <a:ext uri="{91240B29-F687-4f45-9708-019B960494DF}">
-                <a14:hiddenLine xmlns="" xmlns:a14="http://schemas.microsoft.com/office/drawing/2010/main" w="9525">
+                <a14:hiddenLine xmlns:a14="http://schemas.microsoft.com/office/drawing/2010/main" xmlns="" w="9525">
                   <a:solidFill>
                     <a:srgbClr val="000000"/>
                   </a:solidFill>
@@ -13861,7 +13861,7 @@
             </a:ln>
             <a:extLst>
               <a:ext uri="{91240B29-F687-4f45-9708-019B960494DF}">
-                <a14:hiddenLine xmlns="" xmlns:a14="http://schemas.microsoft.com/office/drawing/2010/main" w="9525">
+                <a14:hiddenLine xmlns:a14="http://schemas.microsoft.com/office/drawing/2010/main" xmlns="" w="9525">
                   <a:solidFill>
                     <a:srgbClr val="000000"/>
                   </a:solidFill>
@@ -13951,7 +13951,7 @@
             </a:ln>
             <a:extLst>
               <a:ext uri="{91240B29-F687-4f45-9708-019B960494DF}">
-                <a14:hiddenLine xmlns="" xmlns:a14="http://schemas.microsoft.com/office/drawing/2010/main" w="9525">
+                <a14:hiddenLine xmlns:a14="http://schemas.microsoft.com/office/drawing/2010/main" xmlns="" w="9525">
                   <a:solidFill>
                     <a:srgbClr val="000000"/>
                   </a:solidFill>
@@ -14013,7 +14013,7 @@
             </a:ln>
             <a:extLst>
               <a:ext uri="{91240B29-F687-4f45-9708-019B960494DF}">
-                <a14:hiddenLine xmlns="" xmlns:a14="http://schemas.microsoft.com/office/drawing/2010/main" w="9525">
+                <a14:hiddenLine xmlns:a14="http://schemas.microsoft.com/office/drawing/2010/main" xmlns="" w="9525">
                   <a:solidFill>
                     <a:srgbClr val="000000"/>
                   </a:solidFill>
@@ -14123,7 +14123,7 @@
             </a:ln>
             <a:extLst>
               <a:ext uri="{91240B29-F687-4f45-9708-019B960494DF}">
-                <a14:hiddenLine xmlns="" xmlns:a14="http://schemas.microsoft.com/office/drawing/2010/main" w="9525">
+                <a14:hiddenLine xmlns:a14="http://schemas.microsoft.com/office/drawing/2010/main" xmlns="" w="9525">
                   <a:solidFill>
                     <a:srgbClr val="000000"/>
                   </a:solidFill>
@@ -14185,7 +14185,7 @@
             </a:ln>
             <a:extLst>
               <a:ext uri="{91240B29-F687-4f45-9708-019B960494DF}">
-                <a14:hiddenLine xmlns="" xmlns:a14="http://schemas.microsoft.com/office/drawing/2010/main" w="9525">
+                <a14:hiddenLine xmlns:a14="http://schemas.microsoft.com/office/drawing/2010/main" xmlns="" w="9525">
                   <a:solidFill>
                     <a:srgbClr val="000000"/>
                   </a:solidFill>
@@ -14275,7 +14275,7 @@
             </a:ln>
             <a:extLst>
               <a:ext uri="{91240B29-F687-4f45-9708-019B960494DF}">
-                <a14:hiddenLine xmlns="" xmlns:a14="http://schemas.microsoft.com/office/drawing/2010/main" w="9525">
+                <a14:hiddenLine xmlns:a14="http://schemas.microsoft.com/office/drawing/2010/main" xmlns="" w="9525">
                   <a:solidFill>
                     <a:srgbClr val="000000"/>
                   </a:solidFill>
@@ -14365,7 +14365,7 @@
             </a:ln>
             <a:extLst>
               <a:ext uri="{91240B29-F687-4f45-9708-019B960494DF}">
-                <a14:hiddenLine xmlns="" xmlns:a14="http://schemas.microsoft.com/office/drawing/2010/main" w="9525">
+                <a14:hiddenLine xmlns:a14="http://schemas.microsoft.com/office/drawing/2010/main" xmlns="" w="9525">
                   <a:solidFill>
                     <a:srgbClr val="000000"/>
                   </a:solidFill>
@@ -14427,7 +14427,7 @@
             </a:ln>
             <a:extLst>
               <a:ext uri="{91240B29-F687-4f45-9708-019B960494DF}">
-                <a14:hiddenLine xmlns="" xmlns:a14="http://schemas.microsoft.com/office/drawing/2010/main" w="9525">
+                <a14:hiddenLine xmlns:a14="http://schemas.microsoft.com/office/drawing/2010/main" xmlns="" w="9525">
                   <a:solidFill>
                     <a:srgbClr val="000000"/>
                   </a:solidFill>
@@ -14517,7 +14517,7 @@
             </a:ln>
             <a:extLst>
               <a:ext uri="{91240B29-F687-4f45-9708-019B960494DF}">
-                <a14:hiddenLine xmlns="" xmlns:a14="http://schemas.microsoft.com/office/drawing/2010/main" w="9525">
+                <a14:hiddenLine xmlns:a14="http://schemas.microsoft.com/office/drawing/2010/main" xmlns="" w="9525">
                   <a:solidFill>
                     <a:srgbClr val="000000"/>
                   </a:solidFill>
@@ -14607,7 +14607,7 @@
             </a:ln>
             <a:extLst>
               <a:ext uri="{91240B29-F687-4f45-9708-019B960494DF}">
-                <a14:hiddenLine xmlns="" xmlns:a14="http://schemas.microsoft.com/office/drawing/2010/main" w="9525">
+                <a14:hiddenLine xmlns:a14="http://schemas.microsoft.com/office/drawing/2010/main" xmlns="" w="9525">
                   <a:solidFill>
                     <a:srgbClr val="000000"/>
                   </a:solidFill>
@@ -14663,7 +14663,7 @@
             </a:ln>
             <a:extLst>
               <a:ext uri="{91240B29-F687-4f45-9708-019B960494DF}">
-                <a14:hiddenLine xmlns="" xmlns:a14="http://schemas.microsoft.com/office/drawing/2010/main" w="9525">
+                <a14:hiddenLine xmlns:a14="http://schemas.microsoft.com/office/drawing/2010/main" xmlns="" w="9525">
                   <a:solidFill>
                     <a:srgbClr val="000000"/>
                   </a:solidFill>
@@ -14753,7 +14753,7 @@
             </a:ln>
             <a:extLst>
               <a:ext uri="{91240B29-F687-4f45-9708-019B960494DF}">
-                <a14:hiddenLine xmlns="" xmlns:a14="http://schemas.microsoft.com/office/drawing/2010/main" w="9525">
+                <a14:hiddenLine xmlns:a14="http://schemas.microsoft.com/office/drawing/2010/main" xmlns="" w="9525">
                   <a:solidFill>
                     <a:srgbClr val="000000"/>
                   </a:solidFill>
@@ -14809,7 +14809,7 @@
             </a:ln>
             <a:extLst>
               <a:ext uri="{91240B29-F687-4f45-9708-019B960494DF}">
-                <a14:hiddenLine xmlns="" xmlns:a14="http://schemas.microsoft.com/office/drawing/2010/main" w="9525">
+                <a14:hiddenLine xmlns:a14="http://schemas.microsoft.com/office/drawing/2010/main" xmlns="" w="9525">
                   <a:solidFill>
                     <a:srgbClr val="000000"/>
                   </a:solidFill>
@@ -14899,7 +14899,7 @@
             </a:ln>
             <a:extLst>
               <a:ext uri="{91240B29-F687-4f45-9708-019B960494DF}">
-                <a14:hiddenLine xmlns="" xmlns:a14="http://schemas.microsoft.com/office/drawing/2010/main" w="9525">
+                <a14:hiddenLine xmlns:a14="http://schemas.microsoft.com/office/drawing/2010/main" xmlns="" w="9525">
                   <a:solidFill>
                     <a:srgbClr val="000000"/>
                   </a:solidFill>
@@ -14967,7 +14967,7 @@
             </a:ln>
             <a:extLst>
               <a:ext uri="{91240B29-F687-4f45-9708-019B960494DF}">
-                <a14:hiddenLine xmlns="" xmlns:a14="http://schemas.microsoft.com/office/drawing/2010/main" w="9525">
+                <a14:hiddenLine xmlns:a14="http://schemas.microsoft.com/office/drawing/2010/main" xmlns="" w="9525">
                   <a:solidFill>
                     <a:srgbClr val="000000"/>
                   </a:solidFill>
@@ -15057,7 +15057,7 @@
             </a:ln>
             <a:extLst>
               <a:ext uri="{91240B29-F687-4f45-9708-019B960494DF}">
-                <a14:hiddenLine xmlns="" xmlns:a14="http://schemas.microsoft.com/office/drawing/2010/main" w="9525">
+                <a14:hiddenLine xmlns:a14="http://schemas.microsoft.com/office/drawing/2010/main" xmlns="" w="9525">
                   <a:solidFill>
                     <a:srgbClr val="000000"/>
                   </a:solidFill>
@@ -15125,7 +15125,7 @@
             </a:ln>
             <a:extLst>
               <a:ext uri="{91240B29-F687-4f45-9708-019B960494DF}">
-                <a14:hiddenLine xmlns="" xmlns:a14="http://schemas.microsoft.com/office/drawing/2010/main" w="9525">
+                <a14:hiddenLine xmlns:a14="http://schemas.microsoft.com/office/drawing/2010/main" xmlns="" w="9525">
                   <a:solidFill>
                     <a:srgbClr val="000000"/>
                   </a:solidFill>
@@ -15215,7 +15215,7 @@
             </a:ln>
             <a:extLst>
               <a:ext uri="{91240B29-F687-4f45-9708-019B960494DF}">
-                <a14:hiddenLine xmlns="" xmlns:a14="http://schemas.microsoft.com/office/drawing/2010/main" w="9525">
+                <a14:hiddenLine xmlns:a14="http://schemas.microsoft.com/office/drawing/2010/main" xmlns="" w="9525">
                   <a:solidFill>
                     <a:srgbClr val="000000"/>
                   </a:solidFill>
@@ -15249,7 +15249,7 @@
             </a:ln>
             <a:extLst>
               <a:ext uri="{91240B29-F687-4f45-9708-019B960494DF}">
-                <a14:hiddenLine xmlns="" xmlns:a14="http://schemas.microsoft.com/office/drawing/2010/main" w="9525">
+                <a14:hiddenLine xmlns:a14="http://schemas.microsoft.com/office/drawing/2010/main" xmlns="" w="9525">
                   <a:solidFill>
                     <a:srgbClr val="000000"/>
                   </a:solidFill>
@@ -15339,7 +15339,7 @@
             </a:ln>
             <a:extLst>
               <a:ext uri="{91240B29-F687-4f45-9708-019B960494DF}">
-                <a14:hiddenLine xmlns="" xmlns:a14="http://schemas.microsoft.com/office/drawing/2010/main" w="9525">
+                <a14:hiddenLine xmlns:a14="http://schemas.microsoft.com/office/drawing/2010/main" xmlns="" w="9525">
                   <a:solidFill>
                     <a:srgbClr val="000000"/>
                   </a:solidFill>
@@ -15401,7 +15401,7 @@
             </a:ln>
             <a:extLst>
               <a:ext uri="{91240B29-F687-4f45-9708-019B960494DF}">
-                <a14:hiddenLine xmlns="" xmlns:a14="http://schemas.microsoft.com/office/drawing/2010/main" w="9525">
+                <a14:hiddenLine xmlns:a14="http://schemas.microsoft.com/office/drawing/2010/main" xmlns="" w="9525">
                   <a:solidFill>
                     <a:srgbClr val="000000"/>
                   </a:solidFill>
@@ -15463,7 +15463,7 @@
             </a:ln>
             <a:extLst>
               <a:ext uri="{91240B29-F687-4f45-9708-019B960494DF}">
-                <a14:hiddenLine xmlns="" xmlns:a14="http://schemas.microsoft.com/office/drawing/2010/main" w="9525">
+                <a14:hiddenLine xmlns:a14="http://schemas.microsoft.com/office/drawing/2010/main" xmlns="" w="9525">
                   <a:solidFill>
                     <a:srgbClr val="000000"/>
                   </a:solidFill>
@@ -15553,7 +15553,7 @@
             </a:ln>
             <a:extLst>
               <a:ext uri="{91240B29-F687-4f45-9708-019B960494DF}">
-                <a14:hiddenLine xmlns="" xmlns:a14="http://schemas.microsoft.com/office/drawing/2010/main" w="9525">
+                <a14:hiddenLine xmlns:a14="http://schemas.microsoft.com/office/drawing/2010/main" xmlns="" w="9525">
                   <a:solidFill>
                     <a:srgbClr val="000000"/>
                   </a:solidFill>
@@ -15621,7 +15621,7 @@
             </a:ln>
             <a:extLst>
               <a:ext uri="{91240B29-F687-4f45-9708-019B960494DF}">
-                <a14:hiddenLine xmlns="" xmlns:a14="http://schemas.microsoft.com/office/drawing/2010/main" w="9525">
+                <a14:hiddenLine xmlns:a14="http://schemas.microsoft.com/office/drawing/2010/main" xmlns="" w="9525">
                   <a:solidFill>
                     <a:srgbClr val="000000"/>
                   </a:solidFill>
@@ -15683,7 +15683,7 @@
             </a:ln>
             <a:extLst>
               <a:ext uri="{91240B29-F687-4f45-9708-019B960494DF}">
-                <a14:hiddenLine xmlns="" xmlns:a14="http://schemas.microsoft.com/office/drawing/2010/main" w="9525">
+                <a14:hiddenLine xmlns:a14="http://schemas.microsoft.com/office/drawing/2010/main" xmlns="" w="9525">
                   <a:solidFill>
                     <a:srgbClr val="000000"/>
                   </a:solidFill>
@@ -15773,7 +15773,7 @@
             </a:ln>
             <a:extLst>
               <a:ext uri="{91240B29-F687-4f45-9708-019B960494DF}">
-                <a14:hiddenLine xmlns="" xmlns:a14="http://schemas.microsoft.com/office/drawing/2010/main" w="9525">
+                <a14:hiddenLine xmlns:a14="http://schemas.microsoft.com/office/drawing/2010/main" xmlns="" w="9525">
                   <a:solidFill>
                     <a:srgbClr val="000000"/>
                   </a:solidFill>
@@ -15835,7 +15835,7 @@
             </a:ln>
             <a:extLst>
               <a:ext uri="{91240B29-F687-4f45-9708-019B960494DF}">
-                <a14:hiddenLine xmlns="" xmlns:a14="http://schemas.microsoft.com/office/drawing/2010/main" w="9525">
+                <a14:hiddenLine xmlns:a14="http://schemas.microsoft.com/office/drawing/2010/main" xmlns="" w="9525">
                   <a:solidFill>
                     <a:srgbClr val="000000"/>
                   </a:solidFill>
@@ -15925,7 +15925,7 @@
             </a:ln>
             <a:extLst>
               <a:ext uri="{91240B29-F687-4f45-9708-019B960494DF}">
-                <a14:hiddenLine xmlns="" xmlns:a14="http://schemas.microsoft.com/office/drawing/2010/main" w="9525">
+                <a14:hiddenLine xmlns:a14="http://schemas.microsoft.com/office/drawing/2010/main" xmlns="" w="9525">
                   <a:solidFill>
                     <a:srgbClr val="000000"/>
                   </a:solidFill>
@@ -15987,7 +15987,7 @@
             </a:ln>
             <a:extLst>
               <a:ext uri="{91240B29-F687-4f45-9708-019B960494DF}">
-                <a14:hiddenLine xmlns="" xmlns:a14="http://schemas.microsoft.com/office/drawing/2010/main" w="9525">
+                <a14:hiddenLine xmlns:a14="http://schemas.microsoft.com/office/drawing/2010/main" xmlns="" w="9525">
                   <a:solidFill>
                     <a:srgbClr val="000000"/>
                   </a:solidFill>
@@ -16077,7 +16077,7 @@
             </a:ln>
             <a:extLst>
               <a:ext uri="{91240B29-F687-4f45-9708-019B960494DF}">
-                <a14:hiddenLine xmlns="" xmlns:a14="http://schemas.microsoft.com/office/drawing/2010/main" w="9525">
+                <a14:hiddenLine xmlns:a14="http://schemas.microsoft.com/office/drawing/2010/main" xmlns="" w="9525">
                   <a:solidFill>
                     <a:srgbClr val="000000"/>
                   </a:solidFill>
@@ -16111,7 +16111,7 @@
             </a:ln>
             <a:extLst>
               <a:ext uri="{91240B29-F687-4f45-9708-019B960494DF}">
-                <a14:hiddenLine xmlns="" xmlns:a14="http://schemas.microsoft.com/office/drawing/2010/main" w="9525">
+                <a14:hiddenLine xmlns:a14="http://schemas.microsoft.com/office/drawing/2010/main" xmlns="" w="9525">
                   <a:solidFill>
                     <a:srgbClr val="000000"/>
                   </a:solidFill>
@@ -16176,7 +16176,7 @@
             </a:ln>
             <a:extLst>
               <a:ext uri="{91240B29-F687-4f45-9708-019B960494DF}">
-                <a14:hiddenLine xmlns="" xmlns:a14="http://schemas.microsoft.com/office/drawing/2010/main" w="9525">
+                <a14:hiddenLine xmlns:a14="http://schemas.microsoft.com/office/drawing/2010/main" xmlns="" w="9525">
                   <a:solidFill>
                     <a:srgbClr val="000000"/>
                   </a:solidFill>
@@ -16266,7 +16266,7 @@
             </a:ln>
             <a:extLst>
               <a:ext uri="{91240B29-F687-4f45-9708-019B960494DF}">
-                <a14:hiddenLine xmlns="" xmlns:a14="http://schemas.microsoft.com/office/drawing/2010/main" w="9525">
+                <a14:hiddenLine xmlns:a14="http://schemas.microsoft.com/office/drawing/2010/main" xmlns="" w="9525">
                   <a:solidFill>
                     <a:srgbClr val="000000"/>
                   </a:solidFill>
@@ -16328,7 +16328,7 @@
             </a:ln>
             <a:extLst>
               <a:ext uri="{91240B29-F687-4f45-9708-019B960494DF}">
-                <a14:hiddenLine xmlns="" xmlns:a14="http://schemas.microsoft.com/office/drawing/2010/main" w="9525">
+                <a14:hiddenLine xmlns:a14="http://schemas.microsoft.com/office/drawing/2010/main" xmlns="" w="9525">
                   <a:solidFill>
                     <a:srgbClr val="000000"/>
                   </a:solidFill>
@@ -16418,7 +16418,7 @@
             </a:ln>
             <a:extLst>
               <a:ext uri="{91240B29-F687-4f45-9708-019B960494DF}">
-                <a14:hiddenLine xmlns="" xmlns:a14="http://schemas.microsoft.com/office/drawing/2010/main" w="9525">
+                <a14:hiddenLine xmlns:a14="http://schemas.microsoft.com/office/drawing/2010/main" xmlns="" w="9525">
                   <a:solidFill>
                     <a:srgbClr val="000000"/>
                   </a:solidFill>
@@ -16508,7 +16508,7 @@
             </a:ln>
             <a:extLst>
               <a:ext uri="{91240B29-F687-4f45-9708-019B960494DF}">
-                <a14:hiddenLine xmlns="" xmlns:a14="http://schemas.microsoft.com/office/drawing/2010/main" w="9525">
+                <a14:hiddenLine xmlns:a14="http://schemas.microsoft.com/office/drawing/2010/main" xmlns="" w="9525">
                   <a:solidFill>
                     <a:srgbClr val="000000"/>
                   </a:solidFill>
@@ -16573,7 +16573,7 @@
             </a:ln>
             <a:extLst>
               <a:ext uri="{91240B29-F687-4f45-9708-019B960494DF}">
-                <a14:hiddenLine xmlns="" xmlns:a14="http://schemas.microsoft.com/office/drawing/2010/main" w="9525">
+                <a14:hiddenLine xmlns:a14="http://schemas.microsoft.com/office/drawing/2010/main" xmlns="" w="9525">
                   <a:solidFill>
                     <a:srgbClr val="000000"/>
                   </a:solidFill>
@@ -16635,7 +16635,7 @@
             </a:ln>
             <a:extLst>
               <a:ext uri="{91240B29-F687-4f45-9708-019B960494DF}">
-                <a14:hiddenLine xmlns="" xmlns:a14="http://schemas.microsoft.com/office/drawing/2010/main" w="9525">
+                <a14:hiddenLine xmlns:a14="http://schemas.microsoft.com/office/drawing/2010/main" xmlns="" w="9525">
                   <a:solidFill>
                     <a:srgbClr val="000000"/>
                   </a:solidFill>
@@ -16725,7 +16725,7 @@
             </a:ln>
             <a:extLst>
               <a:ext uri="{91240B29-F687-4f45-9708-019B960494DF}">
-                <a14:hiddenLine xmlns="" xmlns:a14="http://schemas.microsoft.com/office/drawing/2010/main" w="9525">
+                <a14:hiddenLine xmlns:a14="http://schemas.microsoft.com/office/drawing/2010/main" xmlns="" w="9525">
                   <a:solidFill>
                     <a:srgbClr val="000000"/>
                   </a:solidFill>
@@ -16815,7 +16815,7 @@
             </a:ln>
             <a:extLst>
               <a:ext uri="{91240B29-F687-4f45-9708-019B960494DF}">
-                <a14:hiddenLine xmlns="" xmlns:a14="http://schemas.microsoft.com/office/drawing/2010/main" w="9525">
+                <a14:hiddenLine xmlns:a14="http://schemas.microsoft.com/office/drawing/2010/main" xmlns="" w="9525">
                   <a:solidFill>
                     <a:srgbClr val="000000"/>
                   </a:solidFill>
@@ -16877,7 +16877,7 @@
             </a:ln>
             <a:extLst>
               <a:ext uri="{91240B29-F687-4f45-9708-019B960494DF}">
-                <a14:hiddenLine xmlns="" xmlns:a14="http://schemas.microsoft.com/office/drawing/2010/main" w="9525">
+                <a14:hiddenLine xmlns:a14="http://schemas.microsoft.com/office/drawing/2010/main" xmlns="" w="9525">
                   <a:solidFill>
                     <a:srgbClr val="000000"/>
                   </a:solidFill>
@@ -16997,7 +16997,7 @@
             </a:ln>
             <a:extLst>
               <a:ext uri="{91240B29-F687-4f45-9708-019B960494DF}">
-                <a14:hiddenLine xmlns="" xmlns:a14="http://schemas.microsoft.com/office/drawing/2010/main" w="9525">
+                <a14:hiddenLine xmlns:a14="http://schemas.microsoft.com/office/drawing/2010/main" xmlns="" w="9525">
                   <a:solidFill>
                     <a:srgbClr val="000000"/>
                   </a:solidFill>
@@ -17065,7 +17065,7 @@
             </a:ln>
             <a:extLst>
               <a:ext uri="{91240B29-F687-4f45-9708-019B960494DF}">
-                <a14:hiddenLine xmlns="" xmlns:a14="http://schemas.microsoft.com/office/drawing/2010/main" w="9525">
+                <a14:hiddenLine xmlns:a14="http://schemas.microsoft.com/office/drawing/2010/main" xmlns="" w="9525">
                   <a:solidFill>
                     <a:srgbClr val="000000"/>
                   </a:solidFill>
@@ -17155,7 +17155,7 @@
             </a:ln>
             <a:extLst>
               <a:ext uri="{91240B29-F687-4f45-9708-019B960494DF}">
-                <a14:hiddenLine xmlns="" xmlns:a14="http://schemas.microsoft.com/office/drawing/2010/main" w="9525">
+                <a14:hiddenLine xmlns:a14="http://schemas.microsoft.com/office/drawing/2010/main" xmlns="" w="9525">
                   <a:solidFill>
                     <a:srgbClr val="000000"/>
                   </a:solidFill>
@@ -21962,7 +21962,7 @@
           <a:noFill/>
           <a:extLst>
             <a:ext uri="{909E8E84-426E-40dd-AFC4-6F175D3DCCD1}">
-              <a14:hiddenFill xmlns="" xmlns:a14="http://schemas.microsoft.com/office/drawing/2010/main">
+              <a14:hiddenFill xmlns:a14="http://schemas.microsoft.com/office/drawing/2010/main" xmlns="">
                 <a:solidFill>
                   <a:srgbClr val="FFFFFF"/>
                 </a:solidFill>
@@ -22036,7 +22036,7 @@
               </a:ln>
               <a:extLst>
                 <a:ext uri="{91240B29-F687-4f45-9708-019B960494DF}">
-                  <a14:hiddenLine xmlns="" xmlns:a14="http://schemas.microsoft.com/office/drawing/2010/main" w="9525">
+                  <a14:hiddenLine xmlns:a14="http://schemas.microsoft.com/office/drawing/2010/main" xmlns="" w="9525">
                     <a:solidFill>
                       <a:srgbClr val="000000"/>
                     </a:solidFill>
@@ -22126,7 +22126,7 @@
               </a:ln>
               <a:extLst>
                 <a:ext uri="{91240B29-F687-4f45-9708-019B960494DF}">
-                  <a14:hiddenLine xmlns="" xmlns:a14="http://schemas.microsoft.com/office/drawing/2010/main" w="9525">
+                  <a14:hiddenLine xmlns:a14="http://schemas.microsoft.com/office/drawing/2010/main" xmlns="" w="9525">
                     <a:solidFill>
                       <a:srgbClr val="000000"/>
                     </a:solidFill>
@@ -22216,7 +22216,7 @@
               </a:ln>
               <a:extLst>
                 <a:ext uri="{91240B29-F687-4f45-9708-019B960494DF}">
-                  <a14:hiddenLine xmlns="" xmlns:a14="http://schemas.microsoft.com/office/drawing/2010/main" w="9525">
+                  <a14:hiddenLine xmlns:a14="http://schemas.microsoft.com/office/drawing/2010/main" xmlns="" w="9525">
                     <a:solidFill>
                       <a:srgbClr val="000000"/>
                     </a:solidFill>
@@ -22278,7 +22278,7 @@
               </a:ln>
               <a:extLst>
                 <a:ext uri="{91240B29-F687-4f45-9708-019B960494DF}">
-                  <a14:hiddenLine xmlns="" xmlns:a14="http://schemas.microsoft.com/office/drawing/2010/main" w="9525">
+                  <a14:hiddenLine xmlns:a14="http://schemas.microsoft.com/office/drawing/2010/main" xmlns="" w="9525">
                     <a:solidFill>
                       <a:srgbClr val="000000"/>
                     </a:solidFill>
@@ -22368,7 +22368,7 @@
               </a:ln>
               <a:extLst>
                 <a:ext uri="{91240B29-F687-4f45-9708-019B960494DF}">
-                  <a14:hiddenLine xmlns="" xmlns:a14="http://schemas.microsoft.com/office/drawing/2010/main" w="9525">
+                  <a14:hiddenLine xmlns:a14="http://schemas.microsoft.com/office/drawing/2010/main" xmlns="" w="9525">
                     <a:solidFill>
                       <a:srgbClr val="000000"/>
                     </a:solidFill>
@@ -22430,7 +22430,7 @@
               </a:ln>
               <a:extLst>
                 <a:ext uri="{91240B29-F687-4f45-9708-019B960494DF}">
-                  <a14:hiddenLine xmlns="" xmlns:a14="http://schemas.microsoft.com/office/drawing/2010/main" w="9525">
+                  <a14:hiddenLine xmlns:a14="http://schemas.microsoft.com/office/drawing/2010/main" xmlns="" w="9525">
                     <a:solidFill>
                       <a:srgbClr val="000000"/>
                     </a:solidFill>
@@ -22492,7 +22492,7 @@
               </a:ln>
               <a:extLst>
                 <a:ext uri="{91240B29-F687-4f45-9708-019B960494DF}">
-                  <a14:hiddenLine xmlns="" xmlns:a14="http://schemas.microsoft.com/office/drawing/2010/main" w="9525">
+                  <a14:hiddenLine xmlns:a14="http://schemas.microsoft.com/office/drawing/2010/main" xmlns="" w="9525">
                     <a:solidFill>
                       <a:srgbClr val="000000"/>
                     </a:solidFill>
@@ -22582,7 +22582,7 @@
               </a:ln>
               <a:extLst>
                 <a:ext uri="{91240B29-F687-4f45-9708-019B960494DF}">
-                  <a14:hiddenLine xmlns="" xmlns:a14="http://schemas.microsoft.com/office/drawing/2010/main" w="9525">
+                  <a14:hiddenLine xmlns:a14="http://schemas.microsoft.com/office/drawing/2010/main" xmlns="" w="9525">
                     <a:solidFill>
                       <a:srgbClr val="000000"/>
                     </a:solidFill>
@@ -22672,7 +22672,7 @@
               </a:ln>
               <a:extLst>
                 <a:ext uri="{91240B29-F687-4f45-9708-019B960494DF}">
-                  <a14:hiddenLine xmlns="" xmlns:a14="http://schemas.microsoft.com/office/drawing/2010/main" w="9525">
+                  <a14:hiddenLine xmlns:a14="http://schemas.microsoft.com/office/drawing/2010/main" xmlns="" w="9525">
                     <a:solidFill>
                       <a:srgbClr val="000000"/>
                     </a:solidFill>
@@ -22734,7 +22734,7 @@
               </a:ln>
               <a:extLst>
                 <a:ext uri="{91240B29-F687-4f45-9708-019B960494DF}">
-                  <a14:hiddenLine xmlns="" xmlns:a14="http://schemas.microsoft.com/office/drawing/2010/main" w="9525">
+                  <a14:hiddenLine xmlns:a14="http://schemas.microsoft.com/office/drawing/2010/main" xmlns="" w="9525">
                     <a:solidFill>
                       <a:srgbClr val="000000"/>
                     </a:solidFill>
@@ -22844,7 +22844,7 @@
               </a:ln>
               <a:extLst>
                 <a:ext uri="{91240B29-F687-4f45-9708-019B960494DF}">
-                  <a14:hiddenLine xmlns="" xmlns:a14="http://schemas.microsoft.com/office/drawing/2010/main" w="9525">
+                  <a14:hiddenLine xmlns:a14="http://schemas.microsoft.com/office/drawing/2010/main" xmlns="" w="9525">
                     <a:solidFill>
                       <a:srgbClr val="000000"/>
                     </a:solidFill>
@@ -22928,7 +22928,7 @@
               </a:ln>
               <a:extLst>
                 <a:ext uri="{91240B29-F687-4f45-9708-019B960494DF}">
-                  <a14:hiddenLine xmlns="" xmlns:a14="http://schemas.microsoft.com/office/drawing/2010/main" w="9525">
+                  <a14:hiddenLine xmlns:a14="http://schemas.microsoft.com/office/drawing/2010/main" xmlns="" w="9525">
                     <a:solidFill>
                       <a:srgbClr val="000000"/>
                     </a:solidFill>
@@ -22990,7 +22990,7 @@
               </a:ln>
               <a:extLst>
                 <a:ext uri="{91240B29-F687-4f45-9708-019B960494DF}">
-                  <a14:hiddenLine xmlns="" xmlns:a14="http://schemas.microsoft.com/office/drawing/2010/main" w="9525">
+                  <a14:hiddenLine xmlns:a14="http://schemas.microsoft.com/office/drawing/2010/main" xmlns="" w="9525">
                     <a:solidFill>
                       <a:srgbClr val="000000"/>
                     </a:solidFill>
@@ -23052,7 +23052,7 @@
               </a:ln>
               <a:extLst>
                 <a:ext uri="{91240B29-F687-4f45-9708-019B960494DF}">
-                  <a14:hiddenLine xmlns="" xmlns:a14="http://schemas.microsoft.com/office/drawing/2010/main" w="9525">
+                  <a14:hiddenLine xmlns:a14="http://schemas.microsoft.com/office/drawing/2010/main" xmlns="" w="9525">
                     <a:solidFill>
                       <a:srgbClr val="000000"/>
                     </a:solidFill>
@@ -23142,7 +23142,7 @@
               </a:ln>
               <a:extLst>
                 <a:ext uri="{91240B29-F687-4f45-9708-019B960494DF}">
-                  <a14:hiddenLine xmlns="" xmlns:a14="http://schemas.microsoft.com/office/drawing/2010/main" w="9525">
+                  <a14:hiddenLine xmlns:a14="http://schemas.microsoft.com/office/drawing/2010/main" xmlns="" w="9525">
                     <a:solidFill>
                       <a:srgbClr val="000000"/>
                     </a:solidFill>
@@ -23176,7 +23176,7 @@
               </a:ln>
               <a:extLst>
                 <a:ext uri="{91240B29-F687-4f45-9708-019B960494DF}">
-                  <a14:hiddenLine xmlns="" xmlns:a14="http://schemas.microsoft.com/office/drawing/2010/main" w="9525">
+                  <a14:hiddenLine xmlns:a14="http://schemas.microsoft.com/office/drawing/2010/main" xmlns="" w="9525">
                     <a:solidFill>
                       <a:srgbClr val="000000"/>
                     </a:solidFill>
@@ -23241,7 +23241,7 @@
               </a:ln>
               <a:extLst>
                 <a:ext uri="{91240B29-F687-4f45-9708-019B960494DF}">
-                  <a14:hiddenLine xmlns="" xmlns:a14="http://schemas.microsoft.com/office/drawing/2010/main" w="9525">
+                  <a14:hiddenLine xmlns:a14="http://schemas.microsoft.com/office/drawing/2010/main" xmlns="" w="9525">
                     <a:solidFill>
                       <a:srgbClr val="000000"/>
                     </a:solidFill>
@@ -23331,7 +23331,7 @@
               </a:ln>
               <a:extLst>
                 <a:ext uri="{91240B29-F687-4f45-9708-019B960494DF}">
-                  <a14:hiddenLine xmlns="" xmlns:a14="http://schemas.microsoft.com/office/drawing/2010/main" w="9525">
+                  <a14:hiddenLine xmlns:a14="http://schemas.microsoft.com/office/drawing/2010/main" xmlns="" w="9525">
                     <a:solidFill>
                       <a:srgbClr val="000000"/>
                     </a:solidFill>
@@ -23393,7 +23393,7 @@
               </a:ln>
               <a:extLst>
                 <a:ext uri="{91240B29-F687-4f45-9708-019B960494DF}">
-                  <a14:hiddenLine xmlns="" xmlns:a14="http://schemas.microsoft.com/office/drawing/2010/main" w="9525">
+                  <a14:hiddenLine xmlns:a14="http://schemas.microsoft.com/office/drawing/2010/main" xmlns="" w="9525">
                     <a:solidFill>
                       <a:srgbClr val="000000"/>
                     </a:solidFill>
@@ -23483,7 +23483,7 @@
               </a:ln>
               <a:extLst>
                 <a:ext uri="{91240B29-F687-4f45-9708-019B960494DF}">
-                  <a14:hiddenLine xmlns="" xmlns:a14="http://schemas.microsoft.com/office/drawing/2010/main" w="9525">
+                  <a14:hiddenLine xmlns:a14="http://schemas.microsoft.com/office/drawing/2010/main" xmlns="" w="9525">
                     <a:solidFill>
                       <a:srgbClr val="000000"/>
                     </a:solidFill>
@@ -23548,7 +23548,7 @@
               </a:ln>
               <a:extLst>
                 <a:ext uri="{91240B29-F687-4f45-9708-019B960494DF}">
-                  <a14:hiddenLine xmlns="" xmlns:a14="http://schemas.microsoft.com/office/drawing/2010/main" w="9525">
+                  <a14:hiddenLine xmlns:a14="http://schemas.microsoft.com/office/drawing/2010/main" xmlns="" w="9525">
                     <a:solidFill>
                       <a:srgbClr val="000000"/>
                     </a:solidFill>
@@ -23610,7 +23610,7 @@
               </a:ln>
               <a:extLst>
                 <a:ext uri="{91240B29-F687-4f45-9708-019B960494DF}">
-                  <a14:hiddenLine xmlns="" xmlns:a14="http://schemas.microsoft.com/office/drawing/2010/main" w="9525">
+                  <a14:hiddenLine xmlns:a14="http://schemas.microsoft.com/office/drawing/2010/main" xmlns="" w="9525">
                     <a:solidFill>
                       <a:srgbClr val="000000"/>
                     </a:solidFill>
@@ -23700,7 +23700,7 @@
               </a:ln>
               <a:extLst>
                 <a:ext uri="{91240B29-F687-4f45-9708-019B960494DF}">
-                  <a14:hiddenLine xmlns="" xmlns:a14="http://schemas.microsoft.com/office/drawing/2010/main" w="9525">
+                  <a14:hiddenLine xmlns:a14="http://schemas.microsoft.com/office/drawing/2010/main" xmlns="" w="9525">
                     <a:solidFill>
                       <a:srgbClr val="000000"/>
                     </a:solidFill>
@@ -23790,7 +23790,7 @@
               </a:ln>
               <a:extLst>
                 <a:ext uri="{91240B29-F687-4f45-9708-019B960494DF}">
-                  <a14:hiddenLine xmlns="" xmlns:a14="http://schemas.microsoft.com/office/drawing/2010/main" w="9525">
+                  <a14:hiddenLine xmlns:a14="http://schemas.microsoft.com/office/drawing/2010/main" xmlns="" w="9525">
                     <a:solidFill>
                       <a:srgbClr val="000000"/>
                     </a:solidFill>
@@ -23855,7 +23855,7 @@
               </a:ln>
               <a:extLst>
                 <a:ext uri="{91240B29-F687-4f45-9708-019B960494DF}">
-                  <a14:hiddenLine xmlns="" xmlns:a14="http://schemas.microsoft.com/office/drawing/2010/main" w="9525">
+                  <a14:hiddenLine xmlns:a14="http://schemas.microsoft.com/office/drawing/2010/main" xmlns="" w="9525">
                     <a:solidFill>
                       <a:srgbClr val="000000"/>
                     </a:solidFill>
@@ -23975,7 +23975,7 @@
               </a:ln>
               <a:extLst>
                 <a:ext uri="{91240B29-F687-4f45-9708-019B960494DF}">
-                  <a14:hiddenLine xmlns="" xmlns:a14="http://schemas.microsoft.com/office/drawing/2010/main" w="9525">
+                  <a14:hiddenLine xmlns:a14="http://schemas.microsoft.com/office/drawing/2010/main" xmlns="" w="9525">
                     <a:solidFill>
                       <a:srgbClr val="000000"/>
                     </a:solidFill>
@@ -24073,7 +24073,7 @@
               </a:ln>
               <a:extLst>
                 <a:ext uri="{91240B29-F687-4f45-9708-019B960494DF}">
-                  <a14:hiddenLine xmlns="" xmlns:a14="http://schemas.microsoft.com/office/drawing/2010/main" w="9525">
+                  <a14:hiddenLine xmlns:a14="http://schemas.microsoft.com/office/drawing/2010/main" xmlns="" w="9525">
                     <a:solidFill>
                       <a:srgbClr val="000000"/>
                     </a:solidFill>
@@ -24188,7 +24188,7 @@
               </a:ln>
               <a:extLst>
                 <a:ext uri="{91240B29-F687-4f45-9708-019B960494DF}">
-                  <a14:hiddenLine xmlns="" xmlns:a14="http://schemas.microsoft.com/office/drawing/2010/main" w="9525">
+                  <a14:hiddenLine xmlns:a14="http://schemas.microsoft.com/office/drawing/2010/main" xmlns="" w="9525">
                     <a:solidFill>
                       <a:srgbClr val="000000"/>
                     </a:solidFill>
@@ -24278,7 +24278,7 @@
               </a:ln>
               <a:extLst>
                 <a:ext uri="{91240B29-F687-4f45-9708-019B960494DF}">
-                  <a14:hiddenLine xmlns="" xmlns:a14="http://schemas.microsoft.com/office/drawing/2010/main" w="9525">
+                  <a14:hiddenLine xmlns:a14="http://schemas.microsoft.com/office/drawing/2010/main" xmlns="" w="9525">
                     <a:solidFill>
                       <a:srgbClr val="000000"/>
                     </a:solidFill>
@@ -24343,7 +24343,7 @@
               </a:ln>
               <a:extLst>
                 <a:ext uri="{91240B29-F687-4f45-9708-019B960494DF}">
-                  <a14:hiddenLine xmlns="" xmlns:a14="http://schemas.microsoft.com/office/drawing/2010/main" w="9525">
+                  <a14:hiddenLine xmlns:a14="http://schemas.microsoft.com/office/drawing/2010/main" xmlns="" w="9525">
                     <a:solidFill>
                       <a:srgbClr val="000000"/>
                     </a:solidFill>
@@ -24433,7 +24433,7 @@
               </a:ln>
               <a:extLst>
                 <a:ext uri="{91240B29-F687-4f45-9708-019B960494DF}">
-                  <a14:hiddenLine xmlns="" xmlns:a14="http://schemas.microsoft.com/office/drawing/2010/main" w="9525">
+                  <a14:hiddenLine xmlns:a14="http://schemas.microsoft.com/office/drawing/2010/main" xmlns="" w="9525">
                     <a:solidFill>
                       <a:srgbClr val="000000"/>
                     </a:solidFill>
@@ -24501,7 +24501,7 @@
               </a:ln>
               <a:extLst>
                 <a:ext uri="{91240B29-F687-4f45-9708-019B960494DF}">
-                  <a14:hiddenLine xmlns="" xmlns:a14="http://schemas.microsoft.com/office/drawing/2010/main" w="9525">
+                  <a14:hiddenLine xmlns:a14="http://schemas.microsoft.com/office/drawing/2010/main" xmlns="" w="9525">
                     <a:solidFill>
                       <a:srgbClr val="000000"/>
                     </a:solidFill>
@@ -24591,7 +24591,7 @@
               </a:ln>
               <a:extLst>
                 <a:ext uri="{91240B29-F687-4f45-9708-019B960494DF}">
-                  <a14:hiddenLine xmlns="" xmlns:a14="http://schemas.microsoft.com/office/drawing/2010/main" w="9525">
+                  <a14:hiddenLine xmlns:a14="http://schemas.microsoft.com/office/drawing/2010/main" xmlns="" w="9525">
                     <a:solidFill>
                       <a:srgbClr val="000000"/>
                     </a:solidFill>
@@ -24659,7 +24659,7 @@
               </a:ln>
               <a:extLst>
                 <a:ext uri="{91240B29-F687-4f45-9708-019B960494DF}">
-                  <a14:hiddenLine xmlns="" xmlns:a14="http://schemas.microsoft.com/office/drawing/2010/main" w="9525">
+                  <a14:hiddenLine xmlns:a14="http://schemas.microsoft.com/office/drawing/2010/main" xmlns="" w="9525">
                     <a:solidFill>
                       <a:srgbClr val="000000"/>
                     </a:solidFill>
@@ -24749,7 +24749,7 @@
               </a:ln>
               <a:extLst>
                 <a:ext uri="{91240B29-F687-4f45-9708-019B960494DF}">
-                  <a14:hiddenLine xmlns="" xmlns:a14="http://schemas.microsoft.com/office/drawing/2010/main" w="9525">
+                  <a14:hiddenLine xmlns:a14="http://schemas.microsoft.com/office/drawing/2010/main" xmlns="" w="9525">
                     <a:solidFill>
                       <a:srgbClr val="000000"/>
                     </a:solidFill>
@@ -24783,7 +24783,7 @@
               </a:ln>
               <a:extLst>
                 <a:ext uri="{91240B29-F687-4f45-9708-019B960494DF}">
-                  <a14:hiddenLine xmlns="" xmlns:a14="http://schemas.microsoft.com/office/drawing/2010/main" w="9525">
+                  <a14:hiddenLine xmlns:a14="http://schemas.microsoft.com/office/drawing/2010/main" xmlns="" w="9525">
                     <a:solidFill>
                       <a:srgbClr val="000000"/>
                     </a:solidFill>
